--- a/presentation/Design_Patterns.pptx
+++ b/presentation/Design_Patterns.pptx
@@ -4751,7 +4751,7 @@
             <a:fld id="{27153A13-D9B3-44BF-8DEC-4C042269C869}" type="datetimeFigureOut">
               <a:rPr lang="de-DE" smtClean="0"/>
               <a:pPr/>
-              <a:t>09.05.2016</a:t>
+              <a:t>10.05.2016</a:t>
             </a:fld>
             <a:endParaRPr lang="de-DE"/>
           </a:p>
@@ -7146,7 +7146,7 @@
             <a:fld id="{B61BEF0D-F0BB-DE4B-95CE-6DB70DBA9567}" type="datetimeFigureOut">
               <a:rPr lang="en-US" dirty="0"/>
               <a:pPr/>
-              <a:t>5/9/2016</a:t>
+              <a:t>5/10/2016</a:t>
             </a:fld>
             <a:endParaRPr lang="en-US" dirty="0"/>
           </a:p>
@@ -7394,7 +7394,7 @@
             <a:fld id="{B61BEF0D-F0BB-DE4B-95CE-6DB70DBA9567}" type="datetimeFigureOut">
               <a:rPr lang="en-US" dirty="0"/>
               <a:pPr/>
-              <a:t>5/9/2016</a:t>
+              <a:t>5/10/2016</a:t>
             </a:fld>
             <a:endParaRPr lang="en-US" dirty="0"/>
           </a:p>
@@ -7705,7 +7705,7 @@
             <a:fld id="{B61BEF0D-F0BB-DE4B-95CE-6DB70DBA9567}" type="datetimeFigureOut">
               <a:rPr lang="en-US" dirty="0"/>
               <a:pPr/>
-              <a:t>5/9/2016</a:t>
+              <a:t>5/10/2016</a:t>
             </a:fld>
             <a:endParaRPr lang="en-US" dirty="0"/>
           </a:p>
@@ -8029,7 +8029,7 @@
             <a:fld id="{B61BEF0D-F0BB-DE4B-95CE-6DB70DBA9567}" type="datetimeFigureOut">
               <a:rPr lang="en-US" dirty="0"/>
               <a:pPr/>
-              <a:t>5/9/2016</a:t>
+              <a:t>5/10/2016</a:t>
             </a:fld>
             <a:endParaRPr lang="en-US" dirty="0"/>
           </a:p>
@@ -8340,7 +8340,7 @@
             <a:fld id="{B61BEF0D-F0BB-DE4B-95CE-6DB70DBA9567}" type="datetimeFigureOut">
               <a:rPr lang="en-US" dirty="0"/>
               <a:pPr/>
-              <a:t>5/9/2016</a:t>
+              <a:t>5/10/2016</a:t>
             </a:fld>
             <a:endParaRPr lang="en-US" dirty="0"/>
           </a:p>
@@ -8724,7 +8724,7 @@
             <a:fld id="{B61BEF0D-F0BB-DE4B-95CE-6DB70DBA9567}" type="datetimeFigureOut">
               <a:rPr lang="en-US" dirty="0"/>
               <a:pPr/>
-              <a:t>5/9/2016</a:t>
+              <a:t>5/10/2016</a:t>
             </a:fld>
             <a:endParaRPr lang="en-US" dirty="0"/>
           </a:p>
@@ -8891,7 +8891,7 @@
             <a:fld id="{55C6B4A9-1611-4792-9094-5F34BCA07E0B}" type="datetimeFigureOut">
               <a:rPr lang="en-US" dirty="0"/>
               <a:pPr/>
-              <a:t>5/9/2016</a:t>
+              <a:t>5/10/2016</a:t>
             </a:fld>
             <a:endParaRPr lang="en-US" dirty="0"/>
           </a:p>
@@ -9068,7 +9068,7 @@
             <a:fld id="{B61BEF0D-F0BB-DE4B-95CE-6DB70DBA9567}" type="datetimeFigureOut">
               <a:rPr lang="en-US" dirty="0"/>
               <a:pPr/>
-              <a:t>5/9/2016</a:t>
+              <a:t>5/10/2016</a:t>
             </a:fld>
             <a:endParaRPr lang="en-US" dirty="0"/>
           </a:p>
@@ -9241,7 +9241,7 @@
             <a:fld id="{B61BEF0D-F0BB-DE4B-95CE-6DB70DBA9567}" type="datetimeFigureOut">
               <a:rPr lang="en-US" dirty="0"/>
               <a:pPr/>
-              <a:t>5/9/2016</a:t>
+              <a:t>5/10/2016</a:t>
             </a:fld>
             <a:endParaRPr lang="en-US" dirty="0"/>
           </a:p>
@@ -9485,7 +9485,7 @@
             <a:fld id="{B61BEF0D-F0BB-DE4B-95CE-6DB70DBA9567}" type="datetimeFigureOut">
               <a:rPr lang="en-US" dirty="0"/>
               <a:pPr/>
-              <a:t>5/9/2016</a:t>
+              <a:t>5/10/2016</a:t>
             </a:fld>
             <a:endParaRPr lang="en-US" dirty="0"/>
           </a:p>
@@ -9714,7 +9714,7 @@
             <a:fld id="{EB712588-04B1-427B-82EE-E8DB90309F08}" type="datetimeFigureOut">
               <a:rPr lang="en-US" dirty="0"/>
               <a:pPr/>
-              <a:t>5/9/2016</a:t>
+              <a:t>5/10/2016</a:t>
             </a:fld>
             <a:endParaRPr lang="en-US" dirty="0"/>
           </a:p>
@@ -10085,7 +10085,7 @@
             <a:fld id="{B61BEF0D-F0BB-DE4B-95CE-6DB70DBA9567}" type="datetimeFigureOut">
               <a:rPr lang="en-US" dirty="0"/>
               <a:pPr/>
-              <a:t>5/9/2016</a:t>
+              <a:t>5/10/2016</a:t>
             </a:fld>
             <a:endParaRPr lang="en-US" dirty="0"/>
           </a:p>
@@ -10205,7 +10205,7 @@
             <a:fld id="{B61BEF0D-F0BB-DE4B-95CE-6DB70DBA9567}" type="datetimeFigureOut">
               <a:rPr lang="en-US" dirty="0"/>
               <a:pPr/>
-              <a:t>5/9/2016</a:t>
+              <a:t>5/10/2016</a:t>
             </a:fld>
             <a:endParaRPr lang="en-US" dirty="0"/>
           </a:p>
@@ -10297,7 +10297,7 @@
             <a:fld id="{B61BEF0D-F0BB-DE4B-95CE-6DB70DBA9567}" type="datetimeFigureOut">
               <a:rPr lang="en-US" dirty="0"/>
               <a:pPr/>
-              <a:t>5/9/2016</a:t>
+              <a:t>5/10/2016</a:t>
             </a:fld>
             <a:endParaRPr lang="en-US" dirty="0"/>
           </a:p>
@@ -10549,7 +10549,7 @@
             <a:fld id="{42A54C80-263E-416B-A8E0-580EDEADCBDC}" type="datetimeFigureOut">
               <a:rPr lang="en-US" dirty="0"/>
               <a:pPr/>
-              <a:t>5/9/2016</a:t>
+              <a:t>5/10/2016</a:t>
             </a:fld>
             <a:endParaRPr lang="en-US" dirty="0"/>
           </a:p>
@@ -10809,7 +10809,7 @@
             <a:fld id="{B61BEF0D-F0BB-DE4B-95CE-6DB70DBA9567}" type="datetimeFigureOut">
               <a:rPr lang="en-US" dirty="0"/>
               <a:pPr/>
-              <a:t>5/9/2016</a:t>
+              <a:t>5/10/2016</a:t>
             </a:fld>
             <a:endParaRPr lang="en-US" dirty="0"/>
           </a:p>
@@ -11551,7 +11551,7 @@
             <a:fld id="{B61BEF0D-F0BB-DE4B-95CE-6DB70DBA9567}" type="datetimeFigureOut">
               <a:rPr lang="en-US" dirty="0"/>
               <a:pPr/>
-              <a:t>5/9/2016</a:t>
+              <a:t>5/10/2016</a:t>
             </a:fld>
             <a:endParaRPr lang="en-US" dirty="0"/>
           </a:p>
@@ -12244,11 +12244,7 @@
             </a:pPr>
             <a:r>
               <a:rPr lang="en-US" dirty="0" smtClean="0"/>
-              <a:t>Constructs </a:t>
-            </a:r>
-            <a:r>
-              <a:rPr lang="en-US" dirty="0" smtClean="0"/>
-              <a:t>and assembles parts of the product by implementing the Builder interface.</a:t>
+              <a:t>Constructs and assembles parts of the product by implementing the Builder interface.</a:t>
             </a:r>
           </a:p>
           <a:p>
@@ -12305,15 +12301,7 @@
             </a:pPr>
             <a:r>
               <a:rPr lang="en-US" dirty="0" smtClean="0"/>
-              <a:t>Includes classes that define the constituent parts, including interfaces for assembling the </a:t>
-            </a:r>
-            <a:r>
-              <a:rPr lang="en-US" dirty="0" smtClean="0"/>
-              <a:t>parts into </a:t>
-            </a:r>
-            <a:r>
-              <a:rPr lang="en-US" dirty="0" smtClean="0"/>
-              <a:t>the final result.</a:t>
+              <a:t>Includes classes that define the constituent parts, including interfaces for assembling the parts into the final result.</a:t>
             </a:r>
           </a:p>
           <a:p>
@@ -13974,10 +13962,6 @@
               <a:rPr lang="de-DE" dirty="0" smtClean="0"/>
               <a:t> </a:t>
             </a:r>
-            <a:r>
-              <a:rPr lang="de-DE" dirty="0" smtClean="0"/>
-              <a:t/>
-            </a:r>
             <a:br>
               <a:rPr lang="de-DE" dirty="0" smtClean="0"/>
             </a:br>
@@ -14327,7 +14311,6 @@
               <a:rPr lang="de-DE" dirty="0" smtClean="0"/>
               <a:t>/</a:t>
             </a:r>
-            <a:endParaRPr lang="de-DE" dirty="0" smtClean="0"/>
           </a:p>
           <a:p>
             <a:pPr>
@@ -14372,7 +14355,6 @@
               <a:rPr lang="de-DE" b="1" dirty="0" smtClean="0"/>
               <a:t>.</a:t>
             </a:r>
-            <a:endParaRPr lang="de-DE" b="1" dirty="0" smtClean="0"/>
           </a:p>
           <a:p>
             <a:pPr>
@@ -14910,8 +14892,24 @@
           <a:p>
             <a:pPr lvl="1"/>
             <a:r>
-              <a:rPr lang="de-DE" dirty="0" err="1"/>
-              <a:t>Critisism</a:t>
+              <a:rPr lang="de-DE" dirty="0" err="1" smtClean="0"/>
+              <a:t>Make</a:t>
+            </a:r>
+            <a:r>
+              <a:rPr lang="de-DE" dirty="0" smtClean="0"/>
+              <a:t> </a:t>
+            </a:r>
+            <a:r>
+              <a:rPr lang="de-DE" dirty="0" err="1" smtClean="0"/>
+              <a:t>best</a:t>
+            </a:r>
+            <a:r>
+              <a:rPr lang="de-DE" dirty="0" smtClean="0"/>
+              <a:t> </a:t>
+            </a:r>
+            <a:r>
+              <a:rPr lang="de-DE" dirty="0" err="1" smtClean="0"/>
+              <a:t>use</a:t>
             </a:r>
             <a:endParaRPr lang="de-DE" dirty="0"/>
           </a:p>
@@ -14921,29 +14919,54 @@
           </a:p>
           <a:p>
             <a:r>
-              <a:rPr lang="de-DE" dirty="0" err="1"/>
-              <a:t>Important</a:t>
+              <a:rPr lang="de-DE" dirty="0" err="1" smtClean="0"/>
+              <a:t>Some</a:t>
+            </a:r>
+            <a:r>
+              <a:rPr lang="de-DE" dirty="0" smtClean="0"/>
+              <a:t> </a:t>
+            </a:r>
+            <a:r>
+              <a:rPr lang="de-DE" dirty="0" err="1" smtClean="0"/>
+              <a:t>important</a:t>
+            </a:r>
+            <a:r>
+              <a:rPr lang="de-DE" dirty="0" smtClean="0"/>
+              <a:t> </a:t>
             </a:r>
             <a:r>
               <a:rPr lang="de-DE" dirty="0"/>
-              <a:t> Design Patterns (Java)</a:t>
-            </a:r>
-          </a:p>
-          <a:p>
+              <a:t>Design Patterns (Java)</a:t>
+            </a:r>
+          </a:p>
+          <a:p>
+            <a:pPr lvl="1">
+              <a:buNone/>
+            </a:pPr>
             <a:endParaRPr lang="de-DE" dirty="0"/>
           </a:p>
           <a:p>
             <a:r>
-              <a:rPr lang="de-DE" dirty="0"/>
-              <a:t>The Composite Pattern</a:t>
-            </a:r>
-          </a:p>
-          <a:p>
-            <a:pPr lvl="1"/>
-            <a:r>
-              <a:rPr lang="de-DE" dirty="0"/>
-              <a:t>Description</a:t>
-            </a:r>
+              <a:rPr lang="de-DE" dirty="0" err="1" smtClean="0"/>
+              <a:t>It‘s</a:t>
+            </a:r>
+            <a:r>
+              <a:rPr lang="de-DE" dirty="0" smtClean="0"/>
+              <a:t> </a:t>
+            </a:r>
+            <a:r>
+              <a:rPr lang="de-DE" dirty="0" err="1" smtClean="0"/>
+              <a:t>your</a:t>
+            </a:r>
+            <a:r>
+              <a:rPr lang="de-DE" smtClean="0"/>
+              <a:t> </a:t>
+            </a:r>
+            <a:r>
+              <a:rPr lang="de-DE" smtClean="0"/>
+              <a:t>turn</a:t>
+            </a:r>
+            <a:endParaRPr lang="de-DE" dirty="0"/>
           </a:p>
           <a:p>
             <a:pPr lvl="1"/>
@@ -14976,13 +14999,22 @@
               <a:t> </a:t>
             </a:r>
             <a:r>
-              <a:rPr lang="de-DE" dirty="0" err="1"/>
-              <a:t>Visitor</a:t>
-            </a:r>
-            <a:r>
-              <a:rPr lang="de-DE" dirty="0"/>
+              <a:rPr lang="de-DE" dirty="0" err="1" smtClean="0"/>
+              <a:t>the</a:t>
+            </a:r>
+            <a:r>
+              <a:rPr lang="de-DE" dirty="0" smtClean="0"/>
+              <a:t> </a:t>
+            </a:r>
+            <a:r>
+              <a:rPr lang="de-DE" dirty="0" err="1" smtClean="0"/>
+              <a:t>Builder</a:t>
+            </a:r>
+            <a:r>
+              <a:rPr lang="de-DE" dirty="0" smtClean="0"/>
               <a:t> Pattern</a:t>
             </a:r>
+            <a:endParaRPr lang="de-DE" dirty="0"/>
           </a:p>
           <a:p>
             <a:pPr lvl="1"/>

--- a/presentation/Design_Patterns.pptx
+++ b/presentation/Design_Patterns.pptx
@@ -128,7 +128,7 @@
   </p:defaultTextStyle>
   <p:extLst>
     <p:ext uri="{EFAFB233-063F-42B5-8137-9DF3F51BA10A}">
-      <p15:sldGuideLst xmlns="" xmlns:p15="http://schemas.microsoft.com/office/powerpoint/2012/main"/>
+      <p15:sldGuideLst xmlns:p15="http://schemas.microsoft.com/office/powerpoint/2012/main" xmlns=""/>
     </p:ext>
   </p:extLst>
 </p:presentation>
@@ -1854,7 +1854,7 @@
   <dgm:whole/>
   <dgm:extLst>
     <a:ext uri="http://schemas.microsoft.com/office/drawing/2008/diagram">
-      <dsp:dataModelExt xmlns:dsp="http://schemas.microsoft.com/office/drawing/2008/diagram" xmlns="" relId="rId6" minVer="http://schemas.openxmlformats.org/drawingml/2006/diagram"/>
+      <dsp:dataModelExt xmlns:dsp="http://schemas.microsoft.com/office/drawing/2008/diagram" xmlns="" relId="rId7" minVer="http://schemas.openxmlformats.org/drawingml/2006/diagram"/>
     </a:ext>
   </dgm:extLst>
 </dgm:dataModel>
@@ -5072,10 +5072,8 @@
                 <a:ea typeface="+mn-ea"/>
                 <a:cs typeface="+mn-cs"/>
               </a:rPr>
-              <a:t>"Each pattern describes a problem which occurs over</a:t>
-            </a:r>
-          </a:p>
-          <a:p>
+              <a:t>occurs over and </a:t>
+            </a:r>
             <a:r>
               <a:rPr lang="en-US" sz="1200" kern="1200" baseline="0" dirty="0" smtClean="0">
                 <a:solidFill>
@@ -5085,10 +5083,8 @@
                 <a:ea typeface="+mn-ea"/>
                 <a:cs typeface="+mn-cs"/>
               </a:rPr>
-              <a:t>and over again in our environment, and then describes the core of the solution</a:t>
-            </a:r>
-          </a:p>
-          <a:p>
+              <a:t>over again in our </a:t>
+            </a:r>
             <a:r>
               <a:rPr lang="en-US" sz="1200" kern="1200" baseline="0" dirty="0" smtClean="0">
                 <a:solidFill>
@@ -5098,8 +5094,18 @@
                 <a:ea typeface="+mn-ea"/>
                 <a:cs typeface="+mn-cs"/>
               </a:rPr>
-              <a:t>to that problem, in such a way that you can use this solution a million times</a:t>
-            </a:r>
+              <a:t>environment</a:t>
+            </a:r>
+          </a:p>
+          <a:p>
+            <a:endParaRPr lang="en-US" sz="1200" kern="1200" baseline="0" dirty="0" smtClean="0">
+              <a:solidFill>
+                <a:schemeClr val="tx1"/>
+              </a:solidFill>
+              <a:latin typeface="+mn-lt"/>
+              <a:ea typeface="+mn-ea"/>
+              <a:cs typeface="+mn-cs"/>
+            </a:endParaRPr>
           </a:p>
           <a:p>
             <a:r>
@@ -5111,7 +5117,87 @@
                 <a:ea typeface="+mn-ea"/>
                 <a:cs typeface="+mn-cs"/>
               </a:rPr>
-              <a:t>over, without ever doing it the same way twice" [AIS+77].</a:t>
+              <a:t>and </a:t>
+            </a:r>
+            <a:r>
+              <a:rPr lang="en-US" sz="1200" kern="1200" baseline="0" dirty="0" smtClean="0">
+                <a:solidFill>
+                  <a:schemeClr val="tx1"/>
+                </a:solidFill>
+                <a:latin typeface="+mn-lt"/>
+                <a:ea typeface="+mn-ea"/>
+                <a:cs typeface="+mn-cs"/>
+              </a:rPr>
+              <a:t>then describes the core of the </a:t>
+            </a:r>
+            <a:r>
+              <a:rPr lang="en-US" sz="1200" kern="1200" baseline="0" dirty="0" smtClean="0">
+                <a:solidFill>
+                  <a:schemeClr val="tx1"/>
+                </a:solidFill>
+                <a:latin typeface="+mn-lt"/>
+                <a:ea typeface="+mn-ea"/>
+                <a:cs typeface="+mn-cs"/>
+              </a:rPr>
+              <a:t>solution</a:t>
+            </a:r>
+          </a:p>
+          <a:p>
+            <a:endParaRPr lang="en-US" sz="1200" kern="1200" baseline="0" dirty="0" smtClean="0">
+              <a:solidFill>
+                <a:schemeClr val="tx1"/>
+              </a:solidFill>
+              <a:latin typeface="+mn-lt"/>
+              <a:ea typeface="+mn-ea"/>
+              <a:cs typeface="+mn-cs"/>
+            </a:endParaRPr>
+          </a:p>
+          <a:p>
+            <a:r>
+              <a:rPr lang="en-US" sz="1200" kern="1200" baseline="0" dirty="0" smtClean="0">
+                <a:solidFill>
+                  <a:schemeClr val="tx1"/>
+                </a:solidFill>
+                <a:latin typeface="+mn-lt"/>
+                <a:ea typeface="+mn-ea"/>
+                <a:cs typeface="+mn-cs"/>
+              </a:rPr>
+              <a:t>you </a:t>
+            </a:r>
+            <a:r>
+              <a:rPr lang="en-US" sz="1200" kern="1200" baseline="0" dirty="0" smtClean="0">
+                <a:solidFill>
+                  <a:schemeClr val="tx1"/>
+                </a:solidFill>
+                <a:latin typeface="+mn-lt"/>
+                <a:ea typeface="+mn-ea"/>
+                <a:cs typeface="+mn-cs"/>
+              </a:rPr>
+              <a:t>can use this solution a million times</a:t>
+            </a:r>
+          </a:p>
+          <a:p>
+            <a:r>
+              <a:rPr lang="en-US" sz="1200" kern="1200" baseline="0" dirty="0" smtClean="0">
+                <a:solidFill>
+                  <a:schemeClr val="tx1"/>
+                </a:solidFill>
+                <a:latin typeface="+mn-lt"/>
+                <a:ea typeface="+mn-ea"/>
+                <a:cs typeface="+mn-cs"/>
+              </a:rPr>
+              <a:t>over, without ever doing it the same way </a:t>
+            </a:r>
+            <a:r>
+              <a:rPr lang="en-US" sz="1200" kern="1200" baseline="0" dirty="0" smtClean="0">
+                <a:solidFill>
+                  <a:schemeClr val="tx1"/>
+                </a:solidFill>
+                <a:latin typeface="+mn-lt"/>
+                <a:ea typeface="+mn-ea"/>
+                <a:cs typeface="+mn-cs"/>
+              </a:rPr>
+              <a:t>twice</a:t>
             </a:r>
             <a:endParaRPr lang="de-DE" dirty="0"/>
           </a:p>
@@ -5136,6 +5222,236 @@
               <a:rPr lang="de-DE" smtClean="0"/>
               <a:pPr/>
               <a:t>3</a:t>
+            </a:fld>
+            <a:endParaRPr lang="de-DE"/>
+          </a:p>
+        </p:txBody>
+      </p:sp>
+    </p:spTree>
+  </p:cSld>
+  <p:clrMapOvr>
+    <a:masterClrMapping/>
+  </p:clrMapOvr>
+</p:notes>
+</file>
+
+<file path=ppt/notesSlides/notesSlide10.xml><?xml version="1.0" encoding="utf-8"?>
+<p:notes xmlns:a="http://schemas.openxmlformats.org/drawingml/2006/main" xmlns:r="http://schemas.openxmlformats.org/officeDocument/2006/relationships" xmlns:p="http://schemas.openxmlformats.org/presentationml/2006/main">
+  <p:cSld>
+    <p:spTree>
+      <p:nvGrpSpPr>
+        <p:cNvPr id="1" name=""/>
+        <p:cNvGrpSpPr/>
+        <p:nvPr/>
+      </p:nvGrpSpPr>
+      <p:grpSpPr>
+        <a:xfrm>
+          <a:off x="0" y="0"/>
+          <a:ext cx="0" cy="0"/>
+          <a:chOff x="0" y="0"/>
+          <a:chExt cx="0" cy="0"/>
+        </a:xfrm>
+      </p:grpSpPr>
+      <p:sp>
+        <p:nvSpPr>
+          <p:cNvPr id="2" name="Folienbildplatzhalter 1"/>
+          <p:cNvSpPr>
+            <a:spLocks noGrp="1" noRot="1" noChangeAspect="1"/>
+          </p:cNvSpPr>
+          <p:nvPr>
+            <p:ph type="sldImg"/>
+          </p:nvPr>
+        </p:nvSpPr>
+        <p:spPr/>
+      </p:sp>
+      <p:sp>
+        <p:nvSpPr>
+          <p:cNvPr id="3" name="Notizenplatzhalter 2"/>
+          <p:cNvSpPr>
+            <a:spLocks noGrp="1"/>
+          </p:cNvSpPr>
+          <p:nvPr>
+            <p:ph type="body" idx="1"/>
+          </p:nvPr>
+        </p:nvSpPr>
+        <p:spPr/>
+        <p:txBody>
+          <a:bodyPr>
+            <a:normAutofit/>
+          </a:bodyPr>
+          <a:lstStyle/>
+          <a:p>
+            <a:endParaRPr lang="de-DE" dirty="0"/>
+          </a:p>
+        </p:txBody>
+      </p:sp>
+      <p:sp>
+        <p:nvSpPr>
+          <p:cNvPr id="4" name="Foliennummernplatzhalter 3"/>
+          <p:cNvSpPr>
+            <a:spLocks noGrp="1"/>
+          </p:cNvSpPr>
+          <p:nvPr>
+            <p:ph type="sldNum" sz="quarter" idx="10"/>
+          </p:nvPr>
+        </p:nvSpPr>
+        <p:spPr/>
+        <p:txBody>
+          <a:bodyPr/>
+          <a:lstStyle/>
+          <a:p>
+            <a:fld id="{EDF6DCC3-6FD5-4055-8D13-C7D91E843C20}" type="slidenum">
+              <a:rPr lang="de-DE" smtClean="0"/>
+              <a:pPr/>
+              <a:t>14</a:t>
+            </a:fld>
+            <a:endParaRPr lang="de-DE"/>
+          </a:p>
+        </p:txBody>
+      </p:sp>
+    </p:spTree>
+  </p:cSld>
+  <p:clrMapOvr>
+    <a:masterClrMapping/>
+  </p:clrMapOvr>
+</p:notes>
+</file>
+
+<file path=ppt/notesSlides/notesSlide11.xml><?xml version="1.0" encoding="utf-8"?>
+<p:notes xmlns:a="http://schemas.openxmlformats.org/drawingml/2006/main" xmlns:r="http://schemas.openxmlformats.org/officeDocument/2006/relationships" xmlns:p="http://schemas.openxmlformats.org/presentationml/2006/main">
+  <p:cSld>
+    <p:spTree>
+      <p:nvGrpSpPr>
+        <p:cNvPr id="1" name=""/>
+        <p:cNvGrpSpPr/>
+        <p:nvPr/>
+      </p:nvGrpSpPr>
+      <p:grpSpPr>
+        <a:xfrm>
+          <a:off x="0" y="0"/>
+          <a:ext cx="0" cy="0"/>
+          <a:chOff x="0" y="0"/>
+          <a:chExt cx="0" cy="0"/>
+        </a:xfrm>
+      </p:grpSpPr>
+      <p:sp>
+        <p:nvSpPr>
+          <p:cNvPr id="2" name="Folienbildplatzhalter 1"/>
+          <p:cNvSpPr>
+            <a:spLocks noGrp="1" noRot="1" noChangeAspect="1"/>
+          </p:cNvSpPr>
+          <p:nvPr>
+            <p:ph type="sldImg"/>
+          </p:nvPr>
+        </p:nvSpPr>
+        <p:spPr/>
+      </p:sp>
+      <p:sp>
+        <p:nvSpPr>
+          <p:cNvPr id="3" name="Notizenplatzhalter 2"/>
+          <p:cNvSpPr>
+            <a:spLocks noGrp="1"/>
+          </p:cNvSpPr>
+          <p:nvPr>
+            <p:ph type="body" idx="1"/>
+          </p:nvPr>
+        </p:nvSpPr>
+        <p:spPr/>
+        <p:txBody>
+          <a:bodyPr>
+            <a:normAutofit/>
+          </a:bodyPr>
+          <a:lstStyle/>
+          <a:p>
+            <a:r>
+              <a:rPr lang="de-DE" dirty="0" err="1" smtClean="0"/>
+              <a:t>Example</a:t>
+            </a:r>
+            <a:r>
+              <a:rPr lang="de-DE" dirty="0" smtClean="0"/>
+              <a:t>:</a:t>
+            </a:r>
+            <a:r>
+              <a:rPr lang="de-DE" baseline="0" dirty="0" smtClean="0"/>
+              <a:t> </a:t>
+            </a:r>
+            <a:r>
+              <a:rPr lang="de-DE" baseline="0" dirty="0" err="1" smtClean="0"/>
+              <a:t>extend</a:t>
+            </a:r>
+            <a:r>
+              <a:rPr lang="de-DE" baseline="0" dirty="0" smtClean="0"/>
+              <a:t> </a:t>
+            </a:r>
+            <a:r>
+              <a:rPr lang="de-DE" baseline="0" dirty="0" err="1" smtClean="0"/>
+              <a:t>code</a:t>
+            </a:r>
+            <a:r>
+              <a:rPr lang="de-DE" baseline="0" dirty="0" smtClean="0"/>
+              <a:t> </a:t>
+            </a:r>
+          </a:p>
+          <a:p>
+            <a:r>
+              <a:rPr lang="de-DE" baseline="0" dirty="0" err="1" smtClean="0"/>
+              <a:t>Without</a:t>
+            </a:r>
+            <a:r>
+              <a:rPr lang="de-DE" baseline="0" dirty="0" smtClean="0"/>
+              <a:t> </a:t>
+            </a:r>
+            <a:r>
+              <a:rPr lang="de-DE" baseline="0" dirty="0" err="1" smtClean="0"/>
+              <a:t>touching</a:t>
+            </a:r>
+            <a:r>
+              <a:rPr lang="de-DE" baseline="0" dirty="0" smtClean="0"/>
+              <a:t> </a:t>
+            </a:r>
+            <a:r>
+              <a:rPr lang="de-DE" baseline="0" dirty="0" err="1" smtClean="0"/>
+              <a:t>interface</a:t>
+            </a:r>
+            <a:r>
+              <a:rPr lang="de-DE" baseline="0" dirty="0" smtClean="0"/>
+              <a:t> </a:t>
+            </a:r>
+            <a:r>
+              <a:rPr lang="de-DE" baseline="0" dirty="0" err="1" smtClean="0"/>
+              <a:t>or</a:t>
+            </a:r>
+            <a:r>
+              <a:rPr lang="de-DE" baseline="0" dirty="0" smtClean="0"/>
+              <a:t> </a:t>
+            </a:r>
+            <a:r>
+              <a:rPr lang="de-DE" baseline="0" dirty="0" err="1" smtClean="0"/>
+              <a:t>classes</a:t>
+            </a:r>
+            <a:endParaRPr lang="de-DE" dirty="0"/>
+          </a:p>
+        </p:txBody>
+      </p:sp>
+      <p:sp>
+        <p:nvSpPr>
+          <p:cNvPr id="4" name="Foliennummernplatzhalter 3"/>
+          <p:cNvSpPr>
+            <a:spLocks noGrp="1"/>
+          </p:cNvSpPr>
+          <p:nvPr>
+            <p:ph type="sldNum" sz="quarter" idx="10"/>
+          </p:nvPr>
+        </p:nvSpPr>
+        <p:spPr/>
+        <p:txBody>
+          <a:bodyPr/>
+          <a:lstStyle/>
+          <a:p>
+            <a:fld id="{EDF6DCC3-6FD5-4055-8D13-C7D91E843C20}" type="slidenum">
+              <a:rPr lang="de-DE" smtClean="0"/>
+              <a:pPr/>
+              <a:t>15</a:t>
             </a:fld>
             <a:endParaRPr lang="de-DE"/>
           </a:p>
@@ -5195,558 +5511,46 @@
           </a:bodyPr>
           <a:lstStyle/>
           <a:p>
-            <a:pPr>
-              <a:buFontTx/>
-              <a:buChar char="-"/>
-            </a:pPr>
-            <a:r>
-              <a:rPr lang="de-DE" dirty="0" smtClean="0"/>
-              <a:t>Not </a:t>
+            <a:r>
+              <a:rPr lang="de-DE" dirty="0" smtClean="0"/>
+              <a:t>Not</a:t>
+            </a:r>
+            <a:r>
+              <a:rPr lang="de-DE" baseline="0" dirty="0" smtClean="0"/>
+              <a:t> </a:t>
+            </a:r>
+            <a:r>
+              <a:rPr lang="de-DE" baseline="0" dirty="0" err="1" smtClean="0"/>
+              <a:t>tutorial</a:t>
+            </a:r>
+            <a:r>
+              <a:rPr lang="de-DE" baseline="0" dirty="0" smtClean="0"/>
+              <a:t> </a:t>
+            </a:r>
+            <a:r>
+              <a:rPr lang="de-DE" baseline="0" dirty="0" err="1" smtClean="0"/>
+              <a:t>book</a:t>
+            </a:r>
+            <a:endParaRPr lang="de-DE" dirty="0" smtClean="0"/>
+          </a:p>
+          <a:p>
+            <a:endParaRPr lang="de-DE" dirty="0" smtClean="0"/>
+          </a:p>
+          <a:p>
+            <a:r>
+              <a:rPr lang="de-DE" dirty="0" smtClean="0"/>
+              <a:t>Reference </a:t>
             </a:r>
             <a:r>
               <a:rPr lang="de-DE" dirty="0" err="1" smtClean="0"/>
-              <a:t>the</a:t>
-            </a:r>
-            <a:r>
-              <a:rPr lang="de-DE" dirty="0" smtClean="0"/>
-              <a:t> </a:t>
-            </a:r>
-            <a:r>
-              <a:rPr lang="de-DE" dirty="0" err="1" smtClean="0"/>
-              <a:t>case</a:t>
-            </a:r>
-            <a:r>
-              <a:rPr lang="de-DE" dirty="0" smtClean="0"/>
-              <a:t>,</a:t>
-            </a:r>
-            <a:r>
-              <a:rPr lang="de-DE" baseline="0" dirty="0" smtClean="0"/>
-              <a:t> </a:t>
-            </a:r>
-            <a:r>
-              <a:rPr lang="de-DE" baseline="0" dirty="0" err="1" smtClean="0"/>
-              <a:t>patterns</a:t>
-            </a:r>
-            <a:r>
-              <a:rPr lang="de-DE" baseline="0" dirty="0" smtClean="0"/>
-              <a:t> </a:t>
-            </a:r>
-            <a:r>
-              <a:rPr lang="de-DE" baseline="0" dirty="0" err="1" smtClean="0"/>
-              <a:t>for</a:t>
-            </a:r>
-            <a:r>
-              <a:rPr lang="de-DE" baseline="0" dirty="0" smtClean="0"/>
-              <a:t> </a:t>
-            </a:r>
-            <a:r>
-              <a:rPr lang="de-DE" baseline="0" dirty="0" err="1" smtClean="0"/>
-              <a:t>problems</a:t>
-            </a:r>
-            <a:r>
-              <a:rPr lang="de-DE" baseline="0" dirty="0" smtClean="0"/>
-              <a:t> </a:t>
-            </a:r>
-            <a:r>
-              <a:rPr lang="de-DE" baseline="0" dirty="0" err="1" smtClean="0"/>
-              <a:t>which</a:t>
-            </a:r>
-            <a:r>
-              <a:rPr lang="de-DE" baseline="0" dirty="0" smtClean="0"/>
-              <a:t> </a:t>
-            </a:r>
-            <a:r>
-              <a:rPr lang="de-DE" baseline="0" dirty="0" err="1" smtClean="0"/>
-              <a:t>are</a:t>
-            </a:r>
-            <a:r>
-              <a:rPr lang="de-DE" baseline="0" dirty="0" smtClean="0"/>
-              <a:t> </a:t>
-            </a:r>
-            <a:r>
-              <a:rPr lang="de-DE" baseline="0" dirty="0" err="1" smtClean="0"/>
-              <a:t>occuring</a:t>
-            </a:r>
-            <a:r>
-              <a:rPr lang="de-DE" baseline="0" dirty="0" smtClean="0"/>
-              <a:t> </a:t>
-            </a:r>
-            <a:r>
-              <a:rPr lang="de-DE" baseline="0" dirty="0" err="1" smtClean="0"/>
-              <a:t>frequently</a:t>
-            </a:r>
-            <a:r>
-              <a:rPr lang="de-DE" baseline="0" dirty="0" smtClean="0"/>
-              <a:t>.</a:t>
-            </a:r>
-          </a:p>
-          <a:p>
-            <a:pPr>
-              <a:buFontTx/>
-              <a:buChar char="-"/>
-            </a:pPr>
-            <a:r>
-              <a:rPr lang="de-DE" baseline="0" dirty="0" err="1" smtClean="0"/>
-              <a:t>problems</a:t>
-            </a:r>
-            <a:r>
-              <a:rPr lang="de-DE" baseline="0" dirty="0" smtClean="0"/>
-              <a:t> </a:t>
-            </a:r>
-            <a:r>
-              <a:rPr lang="de-DE" baseline="0" dirty="0" err="1" smtClean="0"/>
-              <a:t>which</a:t>
-            </a:r>
-            <a:r>
-              <a:rPr lang="de-DE" baseline="0" dirty="0" smtClean="0"/>
-              <a:t> </a:t>
-            </a:r>
-            <a:r>
-              <a:rPr lang="de-DE" baseline="0" dirty="0" err="1" smtClean="0"/>
-              <a:t>occures</a:t>
-            </a:r>
-            <a:r>
-              <a:rPr lang="de-DE" baseline="0" dirty="0" smtClean="0"/>
-              <a:t> </a:t>
-            </a:r>
-            <a:r>
-              <a:rPr lang="de-DE" baseline="0" dirty="0" err="1" smtClean="0"/>
-              <a:t>with</a:t>
-            </a:r>
-            <a:r>
-              <a:rPr lang="de-DE" baseline="0" dirty="0" smtClean="0"/>
-              <a:t> </a:t>
-            </a:r>
-            <a:r>
-              <a:rPr lang="de-DE" baseline="0" dirty="0" err="1" smtClean="0"/>
-              <a:t>the</a:t>
-            </a:r>
-            <a:r>
-              <a:rPr lang="de-DE" baseline="0" dirty="0" smtClean="0"/>
-              <a:t> </a:t>
-            </a:r>
-            <a:r>
-              <a:rPr lang="de-DE" baseline="0" dirty="0" err="1" smtClean="0"/>
-              <a:t>release</a:t>
-            </a:r>
-            <a:r>
-              <a:rPr lang="de-DE" baseline="0" dirty="0" smtClean="0"/>
-              <a:t> </a:t>
-            </a:r>
-            <a:r>
-              <a:rPr lang="de-DE" baseline="0" dirty="0" err="1" smtClean="0"/>
-              <a:t>of</a:t>
-            </a:r>
-            <a:r>
-              <a:rPr lang="de-DE" baseline="0" dirty="0" smtClean="0"/>
-              <a:t> </a:t>
-            </a:r>
-            <a:r>
-              <a:rPr lang="de-DE" baseline="0" dirty="0" err="1" smtClean="0"/>
-              <a:t>new</a:t>
-            </a:r>
-            <a:r>
-              <a:rPr lang="de-DE" baseline="0" dirty="0" smtClean="0"/>
-              <a:t> </a:t>
-            </a:r>
-            <a:r>
-              <a:rPr lang="de-DE" baseline="0" dirty="0" err="1" smtClean="0"/>
-              <a:t>programming</a:t>
-            </a:r>
-            <a:r>
-              <a:rPr lang="de-DE" baseline="0" dirty="0" smtClean="0"/>
-              <a:t> </a:t>
-            </a:r>
-            <a:r>
-              <a:rPr lang="de-DE" baseline="0" dirty="0" err="1" smtClean="0"/>
-              <a:t>languages</a:t>
-            </a:r>
-            <a:r>
-              <a:rPr lang="de-DE" baseline="0" dirty="0" smtClean="0"/>
-              <a:t> </a:t>
-            </a:r>
-            <a:r>
-              <a:rPr lang="de-DE" baseline="0" dirty="0" err="1" smtClean="0"/>
-              <a:t>or</a:t>
-            </a:r>
-            <a:r>
-              <a:rPr lang="de-DE" baseline="0" dirty="0" smtClean="0"/>
-              <a:t> </a:t>
-            </a:r>
-            <a:r>
-              <a:rPr lang="de-DE" baseline="0" dirty="0" err="1" smtClean="0"/>
-              <a:t>new</a:t>
-            </a:r>
-            <a:r>
-              <a:rPr lang="de-DE" baseline="0" dirty="0" smtClean="0"/>
-              <a:t> </a:t>
-            </a:r>
-            <a:r>
-              <a:rPr lang="de-DE" baseline="0" dirty="0" err="1" smtClean="0"/>
-              <a:t>technologies</a:t>
-            </a:r>
-            <a:r>
-              <a:rPr lang="de-DE" baseline="0" dirty="0" smtClean="0"/>
-              <a:t> </a:t>
-            </a:r>
-            <a:r>
-              <a:rPr lang="de-DE" baseline="0" dirty="0" err="1" smtClean="0"/>
-              <a:t>can</a:t>
-            </a:r>
-            <a:r>
-              <a:rPr lang="de-DE" baseline="0" dirty="0" smtClean="0"/>
-              <a:t> not </a:t>
-            </a:r>
-            <a:r>
-              <a:rPr lang="de-DE" baseline="0" dirty="0" err="1" smtClean="0"/>
-              <a:t>be</a:t>
-            </a:r>
-            <a:r>
-              <a:rPr lang="de-DE" baseline="0" dirty="0" smtClean="0"/>
-              <a:t> </a:t>
-            </a:r>
-            <a:r>
-              <a:rPr lang="de-DE" baseline="0" dirty="0" err="1" smtClean="0"/>
-              <a:t>solved</a:t>
-            </a:r>
-            <a:r>
-              <a:rPr lang="de-DE" baseline="0" dirty="0" smtClean="0"/>
-              <a:t> </a:t>
-            </a:r>
-            <a:r>
-              <a:rPr lang="de-DE" baseline="0" dirty="0" err="1" smtClean="0"/>
-              <a:t>by</a:t>
-            </a:r>
-            <a:r>
-              <a:rPr lang="de-DE" baseline="0" dirty="0" smtClean="0"/>
-              <a:t> a </a:t>
-            </a:r>
-            <a:r>
-              <a:rPr lang="de-DE" baseline="0" dirty="0" err="1" smtClean="0"/>
-              <a:t>pattern</a:t>
-            </a:r>
-            <a:endParaRPr lang="de-DE" baseline="0" dirty="0" smtClean="0"/>
-          </a:p>
-          <a:p>
-            <a:pPr>
-              <a:buFontTx/>
-              <a:buChar char="-"/>
-            </a:pPr>
-            <a:endParaRPr lang="de-DE" baseline="0" dirty="0" smtClean="0"/>
-          </a:p>
-          <a:p>
-            <a:pPr>
-              <a:buFontTx/>
-              <a:buChar char="-"/>
-            </a:pPr>
-            <a:endParaRPr lang="de-DE" baseline="0" dirty="0" smtClean="0"/>
-          </a:p>
-          <a:p>
-            <a:pPr>
-              <a:buFontTx/>
-              <a:buChar char="-"/>
-            </a:pPr>
-            <a:r>
-              <a:rPr lang="de-DE" baseline="0" dirty="0" smtClean="0"/>
-              <a:t>Additional </a:t>
-            </a:r>
-            <a:r>
-              <a:rPr lang="de-DE" baseline="0" dirty="0" err="1" smtClean="0"/>
-              <a:t>complexity</a:t>
-            </a:r>
-            <a:r>
-              <a:rPr lang="de-DE" baseline="0" dirty="0" smtClean="0"/>
-              <a:t>, </a:t>
-            </a:r>
-            <a:r>
-              <a:rPr lang="de-DE" baseline="0" dirty="0" err="1" smtClean="0"/>
-              <a:t>more</a:t>
-            </a:r>
-            <a:r>
-              <a:rPr lang="de-DE" baseline="0" dirty="0" smtClean="0"/>
-              <a:t> </a:t>
-            </a:r>
-            <a:r>
-              <a:rPr lang="de-DE" baseline="0" dirty="0" err="1" smtClean="0"/>
-              <a:t>classes</a:t>
-            </a:r>
-            <a:r>
-              <a:rPr lang="de-DE" baseline="0" dirty="0" smtClean="0"/>
-              <a:t>, </a:t>
-            </a:r>
-            <a:r>
-              <a:rPr lang="de-DE" baseline="0" dirty="0" err="1" smtClean="0"/>
-              <a:t>more</a:t>
-            </a:r>
-            <a:r>
-              <a:rPr lang="de-DE" baseline="0" dirty="0" smtClean="0"/>
-              <a:t> </a:t>
-            </a:r>
-            <a:r>
-              <a:rPr lang="de-DE" baseline="0" dirty="0" err="1" smtClean="0"/>
-              <a:t>objects</a:t>
-            </a:r>
-            <a:r>
-              <a:rPr lang="de-DE" baseline="0" dirty="0" smtClean="0"/>
-              <a:t> </a:t>
-            </a:r>
-            <a:r>
-              <a:rPr lang="de-DE" baseline="0" dirty="0" err="1" smtClean="0"/>
-              <a:t>for</a:t>
-            </a:r>
-            <a:r>
-              <a:rPr lang="de-DE" baseline="0" dirty="0" smtClean="0"/>
-              <a:t> </a:t>
-            </a:r>
-            <a:r>
-              <a:rPr lang="de-DE" baseline="0" dirty="0" err="1" smtClean="0"/>
-              <a:t>runtime</a:t>
-            </a:r>
-            <a:r>
-              <a:rPr lang="de-DE" baseline="0" dirty="0" smtClean="0"/>
-              <a:t> </a:t>
-            </a:r>
-          </a:p>
-          <a:p>
-            <a:pPr>
-              <a:buFont typeface="Wingdings"/>
-              <a:buChar char="à"/>
-            </a:pPr>
-            <a:r>
-              <a:rPr lang="de-DE" baseline="0" dirty="0" err="1" smtClean="0">
-                <a:sym typeface="Wingdings" pitchFamily="2" charset="2"/>
-              </a:rPr>
-              <a:t>You</a:t>
-            </a:r>
-            <a:r>
-              <a:rPr lang="de-DE" baseline="0" dirty="0" smtClean="0">
-                <a:sym typeface="Wingdings" pitchFamily="2" charset="2"/>
-              </a:rPr>
-              <a:t> </a:t>
-            </a:r>
-            <a:r>
-              <a:rPr lang="de-DE" baseline="0" dirty="0" err="1" smtClean="0">
-                <a:sym typeface="Wingdings" pitchFamily="2" charset="2"/>
-              </a:rPr>
-              <a:t>have</a:t>
-            </a:r>
-            <a:r>
-              <a:rPr lang="de-DE" baseline="0" dirty="0" smtClean="0">
-                <a:sym typeface="Wingdings" pitchFamily="2" charset="2"/>
-              </a:rPr>
-              <a:t> not </a:t>
-            </a:r>
-            <a:r>
-              <a:rPr lang="de-DE" baseline="0" dirty="0" err="1" smtClean="0">
-                <a:sym typeface="Wingdings" pitchFamily="2" charset="2"/>
-              </a:rPr>
-              <a:t>to</a:t>
-            </a:r>
-            <a:r>
-              <a:rPr lang="de-DE" baseline="0" dirty="0" smtClean="0">
-                <a:sym typeface="Wingdings" pitchFamily="2" charset="2"/>
-              </a:rPr>
-              <a:t> </a:t>
-            </a:r>
-            <a:r>
-              <a:rPr lang="de-DE" baseline="0" dirty="0" err="1" smtClean="0">
-                <a:sym typeface="Wingdings" pitchFamily="2" charset="2"/>
-              </a:rPr>
-              <a:t>use</a:t>
-            </a:r>
-            <a:r>
-              <a:rPr lang="de-DE" baseline="0" dirty="0" smtClean="0">
-                <a:sym typeface="Wingdings" pitchFamily="2" charset="2"/>
-              </a:rPr>
-              <a:t> all </a:t>
-            </a:r>
-            <a:r>
-              <a:rPr lang="de-DE" baseline="0" dirty="0" err="1" smtClean="0">
-                <a:sym typeface="Wingdings" pitchFamily="2" charset="2"/>
-              </a:rPr>
-              <a:t>the</a:t>
-            </a:r>
-            <a:r>
-              <a:rPr lang="de-DE" baseline="0" dirty="0" smtClean="0">
-                <a:sym typeface="Wingdings" pitchFamily="2" charset="2"/>
-              </a:rPr>
-              <a:t> </a:t>
-            </a:r>
-            <a:r>
-              <a:rPr lang="de-DE" baseline="0" dirty="0" err="1" smtClean="0">
-                <a:sym typeface="Wingdings" pitchFamily="2" charset="2"/>
-              </a:rPr>
-              <a:t>patterns</a:t>
-            </a:r>
-            <a:r>
-              <a:rPr lang="de-DE" baseline="0" dirty="0" smtClean="0">
-                <a:sym typeface="Wingdings" pitchFamily="2" charset="2"/>
-              </a:rPr>
-              <a:t>  </a:t>
-            </a:r>
-            <a:r>
-              <a:rPr lang="de-DE" baseline="0" dirty="0" err="1" smtClean="0">
-                <a:sym typeface="Wingdings" pitchFamily="2" charset="2"/>
-              </a:rPr>
-              <a:t>if</a:t>
-            </a:r>
-            <a:r>
-              <a:rPr lang="de-DE" baseline="0" dirty="0" smtClean="0">
-                <a:sym typeface="Wingdings" pitchFamily="2" charset="2"/>
-              </a:rPr>
-              <a:t> </a:t>
-            </a:r>
-            <a:r>
-              <a:rPr lang="de-DE" baseline="0" dirty="0" err="1" smtClean="0">
-                <a:sym typeface="Wingdings" pitchFamily="2" charset="2"/>
-              </a:rPr>
-              <a:t>you</a:t>
-            </a:r>
-            <a:r>
-              <a:rPr lang="de-DE" baseline="0" dirty="0" smtClean="0">
-                <a:sym typeface="Wingdings" pitchFamily="2" charset="2"/>
-              </a:rPr>
-              <a:t> </a:t>
-            </a:r>
-            <a:r>
-              <a:rPr lang="de-DE" baseline="0" dirty="0" err="1" smtClean="0">
-                <a:sym typeface="Wingdings" pitchFamily="2" charset="2"/>
-              </a:rPr>
-              <a:t>can</a:t>
-            </a:r>
-            <a:r>
-              <a:rPr lang="de-DE" baseline="0" dirty="0" smtClean="0">
-                <a:sym typeface="Wingdings" pitchFamily="2" charset="2"/>
-              </a:rPr>
-              <a:t> </a:t>
-            </a:r>
-            <a:r>
-              <a:rPr lang="de-DE" baseline="0" dirty="0" err="1" smtClean="0">
-                <a:sym typeface="Wingdings" pitchFamily="2" charset="2"/>
-              </a:rPr>
-              <a:t>solve</a:t>
-            </a:r>
-            <a:r>
-              <a:rPr lang="de-DE" baseline="0" dirty="0" smtClean="0">
-                <a:sym typeface="Wingdings" pitchFamily="2" charset="2"/>
-              </a:rPr>
-              <a:t> </a:t>
-            </a:r>
-            <a:r>
-              <a:rPr lang="de-DE" baseline="0" dirty="0" err="1" smtClean="0">
-                <a:sym typeface="Wingdings" pitchFamily="2" charset="2"/>
-              </a:rPr>
-              <a:t>the</a:t>
-            </a:r>
-            <a:r>
-              <a:rPr lang="de-DE" baseline="0" dirty="0" smtClean="0">
-                <a:sym typeface="Wingdings" pitchFamily="2" charset="2"/>
-              </a:rPr>
-              <a:t> </a:t>
-            </a:r>
-            <a:r>
-              <a:rPr lang="de-DE" baseline="0" dirty="0" err="1" smtClean="0">
-                <a:sym typeface="Wingdings" pitchFamily="2" charset="2"/>
-              </a:rPr>
-              <a:t>problem</a:t>
-            </a:r>
-            <a:r>
-              <a:rPr lang="de-DE" baseline="0" dirty="0" smtClean="0">
-                <a:sym typeface="Wingdings" pitchFamily="2" charset="2"/>
-              </a:rPr>
-              <a:t> </a:t>
-            </a:r>
-            <a:r>
-              <a:rPr lang="de-DE" baseline="0" dirty="0" err="1" smtClean="0">
-                <a:sym typeface="Wingdings" pitchFamily="2" charset="2"/>
-              </a:rPr>
-              <a:t>without</a:t>
-            </a:r>
-            <a:r>
-              <a:rPr lang="de-DE" baseline="0" dirty="0" smtClean="0">
-                <a:sym typeface="Wingdings" pitchFamily="2" charset="2"/>
-              </a:rPr>
-              <a:t> a </a:t>
-            </a:r>
-            <a:r>
-              <a:rPr lang="de-DE" baseline="0" dirty="0" err="1" smtClean="0">
-                <a:sym typeface="Wingdings" pitchFamily="2" charset="2"/>
-              </a:rPr>
-              <a:t>pattern</a:t>
-            </a:r>
-            <a:r>
-              <a:rPr lang="de-DE" baseline="0" dirty="0" smtClean="0">
-                <a:sym typeface="Wingdings" pitchFamily="2" charset="2"/>
-              </a:rPr>
-              <a:t>  ok</a:t>
-            </a:r>
-          </a:p>
-          <a:p>
-            <a:pPr>
-              <a:buFont typeface="Wingdings"/>
-              <a:buChar char="à"/>
-            </a:pPr>
-            <a:endParaRPr lang="de-DE" baseline="0" dirty="0" smtClean="0">
-              <a:sym typeface="Wingdings" pitchFamily="2" charset="2"/>
-            </a:endParaRPr>
-          </a:p>
-          <a:p>
-            <a:pPr>
-              <a:buFont typeface="Wingdings"/>
-              <a:buChar char="à"/>
-            </a:pPr>
-            <a:endParaRPr lang="de-DE" baseline="0" dirty="0" smtClean="0">
-              <a:sym typeface="Wingdings" pitchFamily="2" charset="2"/>
-            </a:endParaRPr>
-          </a:p>
-          <a:p>
-            <a:pPr>
-              <a:buFont typeface="Wingdings"/>
-              <a:buNone/>
-            </a:pPr>
-            <a:r>
-              <a:rPr lang="de-DE" baseline="0" dirty="0" smtClean="0">
-                <a:sym typeface="Wingdings" pitchFamily="2" charset="2"/>
-              </a:rPr>
-              <a:t>-</a:t>
-            </a:r>
-            <a:r>
-              <a:rPr lang="de-DE" baseline="0" dirty="0" err="1" smtClean="0">
-                <a:sym typeface="Wingdings" pitchFamily="2" charset="2"/>
-              </a:rPr>
-              <a:t>only</a:t>
-            </a:r>
-            <a:r>
-              <a:rPr lang="de-DE" baseline="0" dirty="0" smtClean="0">
-                <a:sym typeface="Wingdings" pitchFamily="2" charset="2"/>
-              </a:rPr>
-              <a:t> a </a:t>
-            </a:r>
-            <a:r>
-              <a:rPr lang="de-DE" baseline="0" dirty="0" err="1" smtClean="0">
-                <a:sym typeface="Wingdings" pitchFamily="2" charset="2"/>
-              </a:rPr>
-              <a:t>theoretical</a:t>
-            </a:r>
-            <a:r>
-              <a:rPr lang="de-DE" baseline="0" dirty="0" smtClean="0">
-                <a:sym typeface="Wingdings" pitchFamily="2" charset="2"/>
-              </a:rPr>
-              <a:t> </a:t>
-            </a:r>
-            <a:r>
-              <a:rPr lang="de-DE" baseline="0" dirty="0" err="1" smtClean="0">
-                <a:sym typeface="Wingdings" pitchFamily="2" charset="2"/>
-              </a:rPr>
-              <a:t>concept</a:t>
-            </a:r>
-            <a:endParaRPr lang="de-DE" baseline="0" dirty="0" smtClean="0"/>
-          </a:p>
-          <a:p>
-            <a:pPr>
-              <a:buFontTx/>
-              <a:buChar char="-"/>
-            </a:pPr>
+              <a:t>book</a:t>
+            </a:r>
+            <a:endParaRPr lang="de-DE" dirty="0" smtClean="0"/>
+          </a:p>
+          <a:p>
+            <a:endParaRPr lang="de-DE" dirty="0" smtClean="0"/>
+          </a:p>
+          <a:p>
             <a:endParaRPr lang="de-DE" dirty="0"/>
           </a:p>
         </p:txBody>
@@ -5769,7 +5573,7 @@
             <a:fld id="{EDF6DCC3-6FD5-4055-8D13-C7D91E843C20}" type="slidenum">
               <a:rPr lang="de-DE" smtClean="0"/>
               <a:pPr/>
-              <a:t>6</a:t>
+              <a:t>4</a:t>
             </a:fld>
             <a:endParaRPr lang="de-DE"/>
           </a:p>
@@ -5829,13 +5633,9 @@
           </a:bodyPr>
           <a:lstStyle/>
           <a:p>
-            <a:pPr>
-              <a:buFontTx/>
-              <a:buChar char="-"/>
-            </a:pPr>
             <a:r>
               <a:rPr lang="de-DE" dirty="0" err="1" smtClean="0"/>
-              <a:t>Own</a:t>
+              <a:t>Theoretical</a:t>
             </a:r>
             <a:r>
               <a:rPr lang="de-DE" dirty="0" smtClean="0"/>
@@ -5843,137 +5643,7 @@
             </a:r>
             <a:r>
               <a:rPr lang="de-DE" dirty="0" err="1" smtClean="0"/>
-              <a:t>problem</a:t>
-            </a:r>
-            <a:r>
-              <a:rPr lang="de-DE" baseline="0" dirty="0" smtClean="0"/>
-              <a:t> </a:t>
-            </a:r>
-            <a:r>
-              <a:rPr lang="de-DE" baseline="0" dirty="0" err="1" smtClean="0"/>
-              <a:t>fits</a:t>
-            </a:r>
-            <a:r>
-              <a:rPr lang="de-DE" baseline="0" dirty="0" smtClean="0"/>
-              <a:t> </a:t>
-            </a:r>
-            <a:r>
-              <a:rPr lang="de-DE" baseline="0" dirty="0" err="1" smtClean="0"/>
-              <a:t>to</a:t>
-            </a:r>
-            <a:r>
-              <a:rPr lang="de-DE" baseline="0" dirty="0" smtClean="0"/>
-              <a:t> </a:t>
-            </a:r>
-            <a:r>
-              <a:rPr lang="de-DE" baseline="0" dirty="0" err="1" smtClean="0"/>
-              <a:t>pattern</a:t>
-            </a:r>
-            <a:r>
-              <a:rPr lang="de-DE" baseline="0" dirty="0" smtClean="0"/>
-              <a:t> </a:t>
-            </a:r>
-            <a:r>
-              <a:rPr lang="de-DE" baseline="0" dirty="0" smtClean="0">
-                <a:sym typeface="Wingdings" pitchFamily="2" charset="2"/>
-              </a:rPr>
-              <a:t> </a:t>
-            </a:r>
-            <a:r>
-              <a:rPr lang="de-DE" baseline="0" dirty="0" err="1" smtClean="0">
-                <a:sym typeface="Wingdings" pitchFamily="2" charset="2"/>
-              </a:rPr>
-              <a:t>can</a:t>
-            </a:r>
-            <a:r>
-              <a:rPr lang="de-DE" baseline="0" dirty="0" smtClean="0">
-                <a:sym typeface="Wingdings" pitchFamily="2" charset="2"/>
-              </a:rPr>
-              <a:t> </a:t>
-            </a:r>
-            <a:r>
-              <a:rPr lang="de-DE" baseline="0" dirty="0" err="1" smtClean="0">
-                <a:sym typeface="Wingdings" pitchFamily="2" charset="2"/>
-              </a:rPr>
-              <a:t>use</a:t>
-            </a:r>
-            <a:r>
-              <a:rPr lang="de-DE" baseline="0" dirty="0" smtClean="0">
-                <a:sym typeface="Wingdings" pitchFamily="2" charset="2"/>
-              </a:rPr>
-              <a:t> </a:t>
-            </a:r>
-          </a:p>
-          <a:p>
-            <a:pPr>
-              <a:buFontTx/>
-              <a:buChar char="-"/>
-            </a:pPr>
-            <a:r>
-              <a:rPr lang="de-DE" baseline="0" dirty="0" err="1" smtClean="0">
-                <a:sym typeface="Wingdings" pitchFamily="2" charset="2"/>
-              </a:rPr>
-              <a:t>Otherwise</a:t>
-            </a:r>
-            <a:r>
-              <a:rPr lang="de-DE" baseline="0" dirty="0" smtClean="0">
-                <a:sym typeface="Wingdings" pitchFamily="2" charset="2"/>
-              </a:rPr>
-              <a:t> </a:t>
-            </a:r>
-            <a:r>
-              <a:rPr lang="de-DE" baseline="0" dirty="0" err="1" smtClean="0">
-                <a:sym typeface="Wingdings" pitchFamily="2" charset="2"/>
-              </a:rPr>
-              <a:t>you</a:t>
-            </a:r>
-            <a:r>
-              <a:rPr lang="de-DE" baseline="0" dirty="0" smtClean="0">
-                <a:sym typeface="Wingdings" pitchFamily="2" charset="2"/>
-              </a:rPr>
-              <a:t> </a:t>
-            </a:r>
-            <a:r>
-              <a:rPr lang="de-DE" baseline="0" dirty="0" err="1" smtClean="0">
-                <a:sym typeface="Wingdings" pitchFamily="2" charset="2"/>
-              </a:rPr>
-              <a:t>have</a:t>
-            </a:r>
-            <a:r>
-              <a:rPr lang="de-DE" baseline="0" dirty="0" smtClean="0">
-                <a:sym typeface="Wingdings" pitchFamily="2" charset="2"/>
-              </a:rPr>
-              <a:t> </a:t>
-            </a:r>
-            <a:r>
-              <a:rPr lang="de-DE" baseline="0" dirty="0" err="1" smtClean="0">
-                <a:sym typeface="Wingdings" pitchFamily="2" charset="2"/>
-              </a:rPr>
-              <a:t>to</a:t>
-            </a:r>
-            <a:r>
-              <a:rPr lang="de-DE" baseline="0" dirty="0" smtClean="0">
-                <a:sym typeface="Wingdings" pitchFamily="2" charset="2"/>
-              </a:rPr>
-              <a:t> </a:t>
-            </a:r>
-            <a:r>
-              <a:rPr lang="de-DE" baseline="0" dirty="0" err="1" smtClean="0">
-                <a:sym typeface="Wingdings" pitchFamily="2" charset="2"/>
-              </a:rPr>
-              <a:t>customize</a:t>
-            </a:r>
-            <a:r>
-              <a:rPr lang="de-DE" baseline="0" dirty="0" smtClean="0">
-                <a:sym typeface="Wingdings" pitchFamily="2" charset="2"/>
-              </a:rPr>
-              <a:t> </a:t>
-            </a:r>
-            <a:r>
-              <a:rPr lang="de-DE" baseline="0" dirty="0" err="1" smtClean="0">
-                <a:sym typeface="Wingdings" pitchFamily="2" charset="2"/>
-              </a:rPr>
-              <a:t>more</a:t>
+              <a:t>concept</a:t>
             </a:r>
             <a:endParaRPr lang="de-DE" dirty="0"/>
           </a:p>
@@ -5997,7 +5667,7 @@
             <a:fld id="{EDF6DCC3-6FD5-4055-8D13-C7D91E843C20}" type="slidenum">
               <a:rPr lang="de-DE" smtClean="0"/>
               <a:pPr/>
-              <a:t>7</a:t>
+              <a:t>5</a:t>
             </a:fld>
             <a:endParaRPr lang="de-DE"/>
           </a:p>
@@ -6057,6 +5727,695 @@
           </a:bodyPr>
           <a:lstStyle/>
           <a:p>
+            <a:pPr>
+              <a:buFontTx/>
+              <a:buChar char="-"/>
+            </a:pPr>
+            <a:r>
+              <a:rPr lang="de-DE" dirty="0" smtClean="0"/>
+              <a:t>Not </a:t>
+            </a:r>
+            <a:r>
+              <a:rPr lang="de-DE" dirty="0" err="1" smtClean="0"/>
+              <a:t>the</a:t>
+            </a:r>
+            <a:r>
+              <a:rPr lang="de-DE" dirty="0" smtClean="0"/>
+              <a:t> </a:t>
+            </a:r>
+            <a:r>
+              <a:rPr lang="de-DE" dirty="0" err="1" smtClean="0"/>
+              <a:t>case</a:t>
+            </a:r>
+            <a:r>
+              <a:rPr lang="de-DE" dirty="0" smtClean="0"/>
+              <a:t>,</a:t>
+            </a:r>
+            <a:r>
+              <a:rPr lang="de-DE" baseline="0" dirty="0" smtClean="0"/>
+              <a:t> </a:t>
+            </a:r>
+            <a:r>
+              <a:rPr lang="de-DE" baseline="0" dirty="0" err="1" smtClean="0"/>
+              <a:t>patterns</a:t>
+            </a:r>
+            <a:r>
+              <a:rPr lang="de-DE" baseline="0" dirty="0" smtClean="0"/>
+              <a:t> </a:t>
+            </a:r>
+            <a:r>
+              <a:rPr lang="de-DE" baseline="0" dirty="0" err="1" smtClean="0"/>
+              <a:t>for</a:t>
+            </a:r>
+            <a:r>
+              <a:rPr lang="de-DE" baseline="0" dirty="0" smtClean="0"/>
+              <a:t> </a:t>
+            </a:r>
+            <a:r>
+              <a:rPr lang="de-DE" baseline="0" dirty="0" err="1" smtClean="0"/>
+              <a:t>problems</a:t>
+            </a:r>
+            <a:r>
+              <a:rPr lang="de-DE" baseline="0" dirty="0" smtClean="0"/>
+              <a:t> </a:t>
+            </a:r>
+            <a:r>
+              <a:rPr lang="de-DE" baseline="0" dirty="0" err="1" smtClean="0"/>
+              <a:t>which</a:t>
+            </a:r>
+            <a:r>
+              <a:rPr lang="de-DE" baseline="0" dirty="0" smtClean="0"/>
+              <a:t> </a:t>
+            </a:r>
+            <a:r>
+              <a:rPr lang="de-DE" baseline="0" dirty="0" err="1" smtClean="0"/>
+              <a:t>are</a:t>
+            </a:r>
+            <a:r>
+              <a:rPr lang="de-DE" baseline="0" dirty="0" smtClean="0"/>
+              <a:t> </a:t>
+            </a:r>
+            <a:r>
+              <a:rPr lang="de-DE" baseline="0" dirty="0" err="1" smtClean="0"/>
+              <a:t>occuring</a:t>
+            </a:r>
+            <a:r>
+              <a:rPr lang="de-DE" baseline="0" dirty="0" smtClean="0"/>
+              <a:t> </a:t>
+            </a:r>
+            <a:r>
+              <a:rPr lang="de-DE" baseline="0" dirty="0" err="1" smtClean="0"/>
+              <a:t>frequently</a:t>
+            </a:r>
+            <a:r>
+              <a:rPr lang="de-DE" baseline="0" dirty="0" smtClean="0"/>
+              <a:t>.</a:t>
+            </a:r>
+          </a:p>
+          <a:p>
+            <a:pPr>
+              <a:buFontTx/>
+              <a:buChar char="-"/>
+            </a:pPr>
+            <a:r>
+              <a:rPr lang="de-DE" baseline="0" dirty="0" err="1" smtClean="0"/>
+              <a:t>problems</a:t>
+            </a:r>
+            <a:r>
+              <a:rPr lang="de-DE" baseline="0" dirty="0" smtClean="0"/>
+              <a:t> </a:t>
+            </a:r>
+            <a:r>
+              <a:rPr lang="de-DE" baseline="0" dirty="0" err="1" smtClean="0"/>
+              <a:t>which</a:t>
+            </a:r>
+            <a:r>
+              <a:rPr lang="de-DE" baseline="0" dirty="0" smtClean="0"/>
+              <a:t> </a:t>
+            </a:r>
+            <a:r>
+              <a:rPr lang="de-DE" baseline="0" dirty="0" err="1" smtClean="0"/>
+              <a:t>occures</a:t>
+            </a:r>
+            <a:r>
+              <a:rPr lang="de-DE" baseline="0" dirty="0" smtClean="0"/>
+              <a:t> </a:t>
+            </a:r>
+            <a:r>
+              <a:rPr lang="de-DE" baseline="0" dirty="0" err="1" smtClean="0"/>
+              <a:t>with</a:t>
+            </a:r>
+            <a:r>
+              <a:rPr lang="de-DE" baseline="0" dirty="0" smtClean="0"/>
+              <a:t> </a:t>
+            </a:r>
+            <a:r>
+              <a:rPr lang="de-DE" baseline="0" dirty="0" err="1" smtClean="0"/>
+              <a:t>the</a:t>
+            </a:r>
+            <a:r>
+              <a:rPr lang="de-DE" baseline="0" dirty="0" smtClean="0"/>
+              <a:t> </a:t>
+            </a:r>
+            <a:r>
+              <a:rPr lang="de-DE" baseline="0" dirty="0" err="1" smtClean="0"/>
+              <a:t>release</a:t>
+            </a:r>
+            <a:r>
+              <a:rPr lang="de-DE" baseline="0" dirty="0" smtClean="0"/>
+              <a:t> </a:t>
+            </a:r>
+            <a:r>
+              <a:rPr lang="de-DE" baseline="0" dirty="0" err="1" smtClean="0"/>
+              <a:t>of</a:t>
+            </a:r>
+            <a:r>
+              <a:rPr lang="de-DE" baseline="0" dirty="0" smtClean="0"/>
+              <a:t> </a:t>
+            </a:r>
+            <a:r>
+              <a:rPr lang="de-DE" baseline="0" dirty="0" err="1" smtClean="0"/>
+              <a:t>new</a:t>
+            </a:r>
+            <a:r>
+              <a:rPr lang="de-DE" baseline="0" dirty="0" smtClean="0"/>
+              <a:t> </a:t>
+            </a:r>
+            <a:r>
+              <a:rPr lang="de-DE" baseline="0" dirty="0" err="1" smtClean="0"/>
+              <a:t>programming</a:t>
+            </a:r>
+            <a:r>
+              <a:rPr lang="de-DE" baseline="0" dirty="0" smtClean="0"/>
+              <a:t> </a:t>
+            </a:r>
+            <a:r>
+              <a:rPr lang="de-DE" baseline="0" dirty="0" err="1" smtClean="0"/>
+              <a:t>languages</a:t>
+            </a:r>
+            <a:r>
+              <a:rPr lang="de-DE" baseline="0" dirty="0" smtClean="0"/>
+              <a:t> </a:t>
+            </a:r>
+            <a:r>
+              <a:rPr lang="de-DE" baseline="0" dirty="0" err="1" smtClean="0"/>
+              <a:t>or</a:t>
+            </a:r>
+            <a:r>
+              <a:rPr lang="de-DE" baseline="0" dirty="0" smtClean="0"/>
+              <a:t> </a:t>
+            </a:r>
+            <a:r>
+              <a:rPr lang="de-DE" baseline="0" dirty="0" err="1" smtClean="0"/>
+              <a:t>new</a:t>
+            </a:r>
+            <a:r>
+              <a:rPr lang="de-DE" baseline="0" dirty="0" smtClean="0"/>
+              <a:t> </a:t>
+            </a:r>
+            <a:r>
+              <a:rPr lang="de-DE" baseline="0" dirty="0" err="1" smtClean="0"/>
+              <a:t>technologies</a:t>
+            </a:r>
+            <a:r>
+              <a:rPr lang="de-DE" baseline="0" dirty="0" smtClean="0"/>
+              <a:t> </a:t>
+            </a:r>
+            <a:r>
+              <a:rPr lang="de-DE" baseline="0" dirty="0" err="1" smtClean="0"/>
+              <a:t>can</a:t>
+            </a:r>
+            <a:r>
+              <a:rPr lang="de-DE" baseline="0" dirty="0" smtClean="0"/>
+              <a:t> not </a:t>
+            </a:r>
+            <a:r>
+              <a:rPr lang="de-DE" baseline="0" dirty="0" err="1" smtClean="0"/>
+              <a:t>be</a:t>
+            </a:r>
+            <a:r>
+              <a:rPr lang="de-DE" baseline="0" dirty="0" smtClean="0"/>
+              <a:t> </a:t>
+            </a:r>
+            <a:r>
+              <a:rPr lang="de-DE" baseline="0" dirty="0" err="1" smtClean="0"/>
+              <a:t>solved</a:t>
+            </a:r>
+            <a:r>
+              <a:rPr lang="de-DE" baseline="0" dirty="0" smtClean="0"/>
+              <a:t> </a:t>
+            </a:r>
+            <a:r>
+              <a:rPr lang="de-DE" baseline="0" dirty="0" err="1" smtClean="0"/>
+              <a:t>by</a:t>
+            </a:r>
+            <a:r>
+              <a:rPr lang="de-DE" baseline="0" dirty="0" smtClean="0"/>
+              <a:t> a </a:t>
+            </a:r>
+            <a:r>
+              <a:rPr lang="de-DE" baseline="0" dirty="0" err="1" smtClean="0"/>
+              <a:t>pattern</a:t>
+            </a:r>
+            <a:endParaRPr lang="de-DE" baseline="0" dirty="0" smtClean="0"/>
+          </a:p>
+          <a:p>
+            <a:pPr>
+              <a:buFontTx/>
+              <a:buChar char="-"/>
+            </a:pPr>
+            <a:endParaRPr lang="de-DE" baseline="0" dirty="0" smtClean="0"/>
+          </a:p>
+          <a:p>
+            <a:pPr>
+              <a:buFontTx/>
+              <a:buChar char="-"/>
+            </a:pPr>
+            <a:r>
+              <a:rPr lang="de-DE" baseline="0" dirty="0" smtClean="0"/>
+              <a:t>In </a:t>
+            </a:r>
+            <a:r>
+              <a:rPr lang="de-DE" baseline="0" dirty="0" err="1" smtClean="0"/>
+              <a:t>our</a:t>
+            </a:r>
+            <a:r>
+              <a:rPr lang="de-DE" baseline="0" dirty="0" smtClean="0"/>
+              <a:t> </a:t>
+            </a:r>
+            <a:r>
+              <a:rPr lang="de-DE" baseline="0" dirty="0" err="1" smtClean="0"/>
+              <a:t>environment</a:t>
+            </a:r>
+            <a:r>
+              <a:rPr lang="de-DE" baseline="0" dirty="0" smtClean="0"/>
+              <a:t> </a:t>
+            </a:r>
+            <a:r>
+              <a:rPr lang="de-DE" baseline="0" dirty="0" err="1" smtClean="0"/>
+              <a:t>as</a:t>
+            </a:r>
+            <a:r>
+              <a:rPr lang="de-DE" baseline="0" dirty="0" smtClean="0"/>
+              <a:t> a </a:t>
+            </a:r>
+            <a:r>
+              <a:rPr lang="de-DE" baseline="0" dirty="0" err="1" smtClean="0"/>
+              <a:t>software</a:t>
+            </a:r>
+            <a:r>
+              <a:rPr lang="de-DE" baseline="0" dirty="0" smtClean="0"/>
+              <a:t> </a:t>
+            </a:r>
+            <a:r>
+              <a:rPr lang="de-DE" baseline="0" dirty="0" err="1" smtClean="0"/>
+              <a:t>developer</a:t>
+            </a:r>
+            <a:r>
+              <a:rPr lang="de-DE" baseline="0" dirty="0" smtClean="0"/>
+              <a:t>, </a:t>
+            </a:r>
+            <a:r>
+              <a:rPr lang="de-DE" baseline="0" dirty="0" err="1" smtClean="0"/>
+              <a:t>it‘s</a:t>
+            </a:r>
+            <a:r>
+              <a:rPr lang="de-DE" baseline="0" dirty="0" smtClean="0"/>
+              <a:t> </a:t>
+            </a:r>
+            <a:r>
+              <a:rPr lang="de-DE" baseline="0" dirty="0" err="1" smtClean="0"/>
+              <a:t>very</a:t>
+            </a:r>
+            <a:r>
+              <a:rPr lang="de-DE" baseline="0" dirty="0" smtClean="0"/>
+              <a:t> probable, </a:t>
+            </a:r>
+            <a:r>
+              <a:rPr lang="de-DE" baseline="0" dirty="0" err="1" smtClean="0"/>
+              <a:t>that</a:t>
+            </a:r>
+            <a:r>
+              <a:rPr lang="de-DE" baseline="0" dirty="0" smtClean="0"/>
+              <a:t> </a:t>
+            </a:r>
+            <a:r>
+              <a:rPr lang="de-DE" baseline="0" dirty="0" err="1" smtClean="0"/>
+              <a:t>there</a:t>
+            </a:r>
+            <a:r>
+              <a:rPr lang="de-DE" baseline="0" dirty="0" smtClean="0"/>
+              <a:t> </a:t>
+            </a:r>
+            <a:r>
+              <a:rPr lang="de-DE" baseline="0" dirty="0" err="1" smtClean="0"/>
+              <a:t>is</a:t>
+            </a:r>
+            <a:r>
+              <a:rPr lang="de-DE" baseline="0" dirty="0" smtClean="0"/>
+              <a:t> </a:t>
+            </a:r>
+            <a:r>
+              <a:rPr lang="de-DE" baseline="0" dirty="0" err="1" smtClean="0"/>
+              <a:t>no</a:t>
+            </a:r>
+            <a:r>
+              <a:rPr lang="de-DE" baseline="0" dirty="0" smtClean="0"/>
+              <a:t> </a:t>
+            </a:r>
+            <a:r>
+              <a:rPr lang="de-DE" baseline="0" dirty="0" err="1" smtClean="0"/>
+              <a:t>solution</a:t>
+            </a:r>
+            <a:r>
+              <a:rPr lang="de-DE" baseline="0" dirty="0" smtClean="0"/>
+              <a:t> </a:t>
+            </a:r>
+            <a:r>
+              <a:rPr lang="de-DE" baseline="0" dirty="0" err="1" smtClean="0"/>
+              <a:t>until</a:t>
+            </a:r>
+            <a:r>
+              <a:rPr lang="de-DE" baseline="0" dirty="0" smtClean="0"/>
+              <a:t> </a:t>
+            </a:r>
+            <a:r>
+              <a:rPr lang="de-DE" baseline="0" dirty="0" err="1" smtClean="0"/>
+              <a:t>now</a:t>
+            </a:r>
+            <a:endParaRPr lang="de-DE" baseline="0" dirty="0" smtClean="0"/>
+          </a:p>
+          <a:p>
+            <a:pPr>
+              <a:buFontTx/>
+              <a:buChar char="-"/>
+            </a:pPr>
+            <a:endParaRPr lang="de-DE" baseline="0" dirty="0" smtClean="0"/>
+          </a:p>
+          <a:p>
+            <a:pPr>
+              <a:buFontTx/>
+              <a:buChar char="-"/>
+            </a:pPr>
+            <a:r>
+              <a:rPr lang="de-DE" baseline="0" dirty="0" smtClean="0"/>
+              <a:t>Additional </a:t>
+            </a:r>
+            <a:r>
+              <a:rPr lang="de-DE" baseline="0" dirty="0" err="1" smtClean="0"/>
+              <a:t>complexity</a:t>
+            </a:r>
+            <a:r>
+              <a:rPr lang="de-DE" baseline="0" dirty="0" smtClean="0"/>
+              <a:t>, </a:t>
+            </a:r>
+            <a:r>
+              <a:rPr lang="de-DE" baseline="0" dirty="0" err="1" smtClean="0"/>
+              <a:t>more</a:t>
+            </a:r>
+            <a:r>
+              <a:rPr lang="de-DE" baseline="0" dirty="0" smtClean="0"/>
+              <a:t> </a:t>
+            </a:r>
+            <a:r>
+              <a:rPr lang="de-DE" baseline="0" dirty="0" err="1" smtClean="0"/>
+              <a:t>classes</a:t>
+            </a:r>
+            <a:r>
+              <a:rPr lang="de-DE" baseline="0" dirty="0" smtClean="0"/>
+              <a:t>, </a:t>
+            </a:r>
+            <a:r>
+              <a:rPr lang="de-DE" baseline="0" dirty="0" err="1" smtClean="0"/>
+              <a:t>more</a:t>
+            </a:r>
+            <a:r>
+              <a:rPr lang="de-DE" baseline="0" dirty="0" smtClean="0"/>
+              <a:t> </a:t>
+            </a:r>
+            <a:r>
+              <a:rPr lang="de-DE" baseline="0" dirty="0" err="1" smtClean="0"/>
+              <a:t>objects</a:t>
+            </a:r>
+            <a:r>
+              <a:rPr lang="de-DE" baseline="0" dirty="0" smtClean="0"/>
+              <a:t> </a:t>
+            </a:r>
+            <a:r>
+              <a:rPr lang="de-DE" baseline="0" dirty="0" err="1" smtClean="0"/>
+              <a:t>for</a:t>
+            </a:r>
+            <a:r>
+              <a:rPr lang="de-DE" baseline="0" dirty="0" smtClean="0"/>
+              <a:t> </a:t>
+            </a:r>
+            <a:r>
+              <a:rPr lang="de-DE" baseline="0" dirty="0" err="1" smtClean="0"/>
+              <a:t>runtime</a:t>
+            </a:r>
+            <a:r>
+              <a:rPr lang="de-DE" baseline="0" dirty="0" smtClean="0"/>
+              <a:t> </a:t>
+            </a:r>
+          </a:p>
+          <a:p>
+            <a:pPr>
+              <a:buFont typeface="Wingdings"/>
+              <a:buChar char="à"/>
+            </a:pPr>
+            <a:r>
+              <a:rPr lang="de-DE" baseline="0" dirty="0" err="1" smtClean="0">
+                <a:sym typeface="Wingdings" pitchFamily="2" charset="2"/>
+              </a:rPr>
+              <a:t>You</a:t>
+            </a:r>
+            <a:r>
+              <a:rPr lang="de-DE" baseline="0" dirty="0" smtClean="0">
+                <a:sym typeface="Wingdings" pitchFamily="2" charset="2"/>
+              </a:rPr>
+              <a:t> </a:t>
+            </a:r>
+            <a:r>
+              <a:rPr lang="de-DE" baseline="0" dirty="0" err="1" smtClean="0">
+                <a:sym typeface="Wingdings" pitchFamily="2" charset="2"/>
+              </a:rPr>
+              <a:t>have</a:t>
+            </a:r>
+            <a:r>
+              <a:rPr lang="de-DE" baseline="0" dirty="0" smtClean="0">
+                <a:sym typeface="Wingdings" pitchFamily="2" charset="2"/>
+              </a:rPr>
+              <a:t> not </a:t>
+            </a:r>
+            <a:r>
+              <a:rPr lang="de-DE" baseline="0" dirty="0" err="1" smtClean="0">
+                <a:sym typeface="Wingdings" pitchFamily="2" charset="2"/>
+              </a:rPr>
+              <a:t>to</a:t>
+            </a:r>
+            <a:r>
+              <a:rPr lang="de-DE" baseline="0" dirty="0" smtClean="0">
+                <a:sym typeface="Wingdings" pitchFamily="2" charset="2"/>
+              </a:rPr>
+              <a:t> </a:t>
+            </a:r>
+            <a:r>
+              <a:rPr lang="de-DE" baseline="0" dirty="0" err="1" smtClean="0">
+                <a:sym typeface="Wingdings" pitchFamily="2" charset="2"/>
+              </a:rPr>
+              <a:t>use</a:t>
+            </a:r>
+            <a:r>
+              <a:rPr lang="de-DE" baseline="0" dirty="0" smtClean="0">
+                <a:sym typeface="Wingdings" pitchFamily="2" charset="2"/>
+              </a:rPr>
+              <a:t> all </a:t>
+            </a:r>
+            <a:r>
+              <a:rPr lang="de-DE" baseline="0" dirty="0" err="1" smtClean="0">
+                <a:sym typeface="Wingdings" pitchFamily="2" charset="2"/>
+              </a:rPr>
+              <a:t>the</a:t>
+            </a:r>
+            <a:r>
+              <a:rPr lang="de-DE" baseline="0" dirty="0" smtClean="0">
+                <a:sym typeface="Wingdings" pitchFamily="2" charset="2"/>
+              </a:rPr>
+              <a:t> </a:t>
+            </a:r>
+            <a:r>
+              <a:rPr lang="de-DE" baseline="0" dirty="0" err="1" smtClean="0">
+                <a:sym typeface="Wingdings" pitchFamily="2" charset="2"/>
+              </a:rPr>
+              <a:t>patterns</a:t>
+            </a:r>
+            <a:r>
+              <a:rPr lang="de-DE" baseline="0" dirty="0" smtClean="0">
+                <a:sym typeface="Wingdings" pitchFamily="2" charset="2"/>
+              </a:rPr>
+              <a:t>  </a:t>
+            </a:r>
+            <a:r>
+              <a:rPr lang="de-DE" baseline="0" dirty="0" err="1" smtClean="0">
+                <a:sym typeface="Wingdings" pitchFamily="2" charset="2"/>
+              </a:rPr>
+              <a:t>if</a:t>
+            </a:r>
+            <a:r>
+              <a:rPr lang="de-DE" baseline="0" dirty="0" smtClean="0">
+                <a:sym typeface="Wingdings" pitchFamily="2" charset="2"/>
+              </a:rPr>
+              <a:t> </a:t>
+            </a:r>
+            <a:r>
+              <a:rPr lang="de-DE" baseline="0" dirty="0" err="1" smtClean="0">
+                <a:sym typeface="Wingdings" pitchFamily="2" charset="2"/>
+              </a:rPr>
+              <a:t>you</a:t>
+            </a:r>
+            <a:r>
+              <a:rPr lang="de-DE" baseline="0" dirty="0" smtClean="0">
+                <a:sym typeface="Wingdings" pitchFamily="2" charset="2"/>
+              </a:rPr>
+              <a:t> </a:t>
+            </a:r>
+            <a:r>
+              <a:rPr lang="de-DE" baseline="0" dirty="0" err="1" smtClean="0">
+                <a:sym typeface="Wingdings" pitchFamily="2" charset="2"/>
+              </a:rPr>
+              <a:t>can</a:t>
+            </a:r>
+            <a:r>
+              <a:rPr lang="de-DE" baseline="0" dirty="0" smtClean="0">
+                <a:sym typeface="Wingdings" pitchFamily="2" charset="2"/>
+              </a:rPr>
+              <a:t> </a:t>
+            </a:r>
+            <a:r>
+              <a:rPr lang="de-DE" baseline="0" dirty="0" err="1" smtClean="0">
+                <a:sym typeface="Wingdings" pitchFamily="2" charset="2"/>
+              </a:rPr>
+              <a:t>solve</a:t>
+            </a:r>
+            <a:r>
+              <a:rPr lang="de-DE" baseline="0" dirty="0" smtClean="0">
+                <a:sym typeface="Wingdings" pitchFamily="2" charset="2"/>
+              </a:rPr>
+              <a:t> </a:t>
+            </a:r>
+            <a:r>
+              <a:rPr lang="de-DE" baseline="0" dirty="0" err="1" smtClean="0">
+                <a:sym typeface="Wingdings" pitchFamily="2" charset="2"/>
+              </a:rPr>
+              <a:t>the</a:t>
+            </a:r>
+            <a:r>
+              <a:rPr lang="de-DE" baseline="0" dirty="0" smtClean="0">
+                <a:sym typeface="Wingdings" pitchFamily="2" charset="2"/>
+              </a:rPr>
+              <a:t> </a:t>
+            </a:r>
+            <a:r>
+              <a:rPr lang="de-DE" baseline="0" dirty="0" err="1" smtClean="0">
+                <a:sym typeface="Wingdings" pitchFamily="2" charset="2"/>
+              </a:rPr>
+              <a:t>problem</a:t>
+            </a:r>
+            <a:r>
+              <a:rPr lang="de-DE" baseline="0" dirty="0" smtClean="0">
+                <a:sym typeface="Wingdings" pitchFamily="2" charset="2"/>
+              </a:rPr>
+              <a:t> </a:t>
+            </a:r>
+            <a:r>
+              <a:rPr lang="de-DE" baseline="0" dirty="0" err="1" smtClean="0">
+                <a:sym typeface="Wingdings" pitchFamily="2" charset="2"/>
+              </a:rPr>
+              <a:t>without</a:t>
+            </a:r>
+            <a:r>
+              <a:rPr lang="de-DE" baseline="0" dirty="0" smtClean="0">
+                <a:sym typeface="Wingdings" pitchFamily="2" charset="2"/>
+              </a:rPr>
+              <a:t> a </a:t>
+            </a:r>
+            <a:r>
+              <a:rPr lang="de-DE" baseline="0" dirty="0" err="1" smtClean="0">
+                <a:sym typeface="Wingdings" pitchFamily="2" charset="2"/>
+              </a:rPr>
+              <a:t>pattern</a:t>
+            </a:r>
+            <a:r>
+              <a:rPr lang="de-DE" baseline="0" dirty="0" smtClean="0">
+                <a:sym typeface="Wingdings" pitchFamily="2" charset="2"/>
+              </a:rPr>
+              <a:t>  ok</a:t>
+            </a:r>
+          </a:p>
+          <a:p>
+            <a:pPr>
+              <a:buFont typeface="Wingdings"/>
+              <a:buChar char="à"/>
+            </a:pPr>
+            <a:endParaRPr lang="de-DE" baseline="0" dirty="0" smtClean="0">
+              <a:sym typeface="Wingdings" pitchFamily="2" charset="2"/>
+            </a:endParaRPr>
+          </a:p>
+          <a:p>
+            <a:pPr>
+              <a:buFont typeface="Wingdings"/>
+              <a:buNone/>
+            </a:pPr>
+            <a:endParaRPr lang="de-DE" baseline="0" dirty="0" smtClean="0">
+              <a:sym typeface="Wingdings" pitchFamily="2" charset="2"/>
+            </a:endParaRPr>
+          </a:p>
+          <a:p>
+            <a:pPr>
+              <a:buFont typeface="Wingdings"/>
+              <a:buNone/>
+            </a:pPr>
+            <a:r>
+              <a:rPr lang="de-DE" baseline="0" dirty="0" smtClean="0">
+                <a:sym typeface="Wingdings" pitchFamily="2" charset="2"/>
+              </a:rPr>
+              <a:t>-keep in </a:t>
+            </a:r>
+            <a:r>
+              <a:rPr lang="de-DE" baseline="0" dirty="0" err="1" smtClean="0">
+                <a:sym typeface="Wingdings" pitchFamily="2" charset="2"/>
+              </a:rPr>
+              <a:t>mind</a:t>
+            </a:r>
+            <a:r>
+              <a:rPr lang="de-DE" baseline="0" dirty="0" smtClean="0">
+                <a:sym typeface="Wingdings" pitchFamily="2" charset="2"/>
+              </a:rPr>
+              <a:t> - </a:t>
+            </a:r>
+            <a:r>
+              <a:rPr lang="de-DE" baseline="0" dirty="0" err="1" smtClean="0">
+                <a:sym typeface="Wingdings" pitchFamily="2" charset="2"/>
+              </a:rPr>
+              <a:t>only</a:t>
+            </a:r>
+            <a:r>
+              <a:rPr lang="de-DE" baseline="0" dirty="0" smtClean="0">
+                <a:sym typeface="Wingdings" pitchFamily="2" charset="2"/>
+              </a:rPr>
+              <a:t> </a:t>
+            </a:r>
+            <a:r>
+              <a:rPr lang="de-DE" baseline="0" dirty="0" smtClean="0">
+                <a:sym typeface="Wingdings" pitchFamily="2" charset="2"/>
+              </a:rPr>
+              <a:t>a </a:t>
+            </a:r>
+            <a:r>
+              <a:rPr lang="de-DE" baseline="0" dirty="0" err="1" smtClean="0">
+                <a:sym typeface="Wingdings" pitchFamily="2" charset="2"/>
+              </a:rPr>
+              <a:t>theoretical</a:t>
+            </a:r>
+            <a:r>
+              <a:rPr lang="de-DE" baseline="0" dirty="0" smtClean="0">
+                <a:sym typeface="Wingdings" pitchFamily="2" charset="2"/>
+              </a:rPr>
+              <a:t> </a:t>
+            </a:r>
+            <a:r>
+              <a:rPr lang="de-DE" baseline="0" dirty="0" err="1" smtClean="0">
+                <a:sym typeface="Wingdings" pitchFamily="2" charset="2"/>
+              </a:rPr>
+              <a:t>concept</a:t>
+            </a:r>
+            <a:endParaRPr lang="de-DE" baseline="0" dirty="0" smtClean="0"/>
+          </a:p>
+          <a:p>
+            <a:pPr>
+              <a:buFontTx/>
+              <a:buChar char="-"/>
+            </a:pPr>
             <a:endParaRPr lang="de-DE" dirty="0"/>
           </a:p>
         </p:txBody>
@@ -6079,7 +6438,7 @@
             <a:fld id="{EDF6DCC3-6FD5-4055-8D13-C7D91E843C20}" type="slidenum">
               <a:rPr lang="de-DE" smtClean="0"/>
               <a:pPr/>
-              <a:t>9</a:t>
+              <a:t>6</a:t>
             </a:fld>
             <a:endParaRPr lang="de-DE"/>
           </a:p>
@@ -6139,6 +6498,170 @@
           </a:bodyPr>
           <a:lstStyle/>
           <a:p>
+            <a:pPr>
+              <a:buFontTx/>
+              <a:buChar char="-"/>
+            </a:pPr>
+            <a:r>
+              <a:rPr lang="de-DE" dirty="0" err="1" smtClean="0"/>
+              <a:t>Own</a:t>
+            </a:r>
+            <a:r>
+              <a:rPr lang="de-DE" dirty="0" smtClean="0"/>
+              <a:t> </a:t>
+            </a:r>
+            <a:r>
+              <a:rPr lang="de-DE" dirty="0" err="1" smtClean="0"/>
+              <a:t>problem</a:t>
+            </a:r>
+            <a:r>
+              <a:rPr lang="de-DE" baseline="0" dirty="0" smtClean="0"/>
+              <a:t> </a:t>
+            </a:r>
+            <a:r>
+              <a:rPr lang="de-DE" baseline="0" dirty="0" err="1" smtClean="0"/>
+              <a:t>fits</a:t>
+            </a:r>
+            <a:r>
+              <a:rPr lang="de-DE" baseline="0" dirty="0" smtClean="0"/>
+              <a:t> </a:t>
+            </a:r>
+            <a:r>
+              <a:rPr lang="de-DE" baseline="0" dirty="0" err="1" smtClean="0"/>
+              <a:t>to</a:t>
+            </a:r>
+            <a:r>
+              <a:rPr lang="de-DE" baseline="0" dirty="0" smtClean="0"/>
+              <a:t> </a:t>
+            </a:r>
+            <a:r>
+              <a:rPr lang="de-DE" baseline="0" dirty="0" err="1" smtClean="0"/>
+              <a:t>pattern</a:t>
+            </a:r>
+            <a:r>
+              <a:rPr lang="de-DE" baseline="0" dirty="0" smtClean="0"/>
+              <a:t> </a:t>
+            </a:r>
+            <a:r>
+              <a:rPr lang="de-DE" baseline="0" dirty="0" smtClean="0">
+                <a:sym typeface="Wingdings" pitchFamily="2" charset="2"/>
+              </a:rPr>
+              <a:t> </a:t>
+            </a:r>
+            <a:r>
+              <a:rPr lang="de-DE" baseline="0" dirty="0" err="1" smtClean="0">
+                <a:sym typeface="Wingdings" pitchFamily="2" charset="2"/>
+              </a:rPr>
+              <a:t>can</a:t>
+            </a:r>
+            <a:r>
+              <a:rPr lang="de-DE" baseline="0" dirty="0" smtClean="0">
+                <a:sym typeface="Wingdings" pitchFamily="2" charset="2"/>
+              </a:rPr>
+              <a:t> </a:t>
+            </a:r>
+            <a:r>
+              <a:rPr lang="de-DE" baseline="0" dirty="0" err="1" smtClean="0">
+                <a:sym typeface="Wingdings" pitchFamily="2" charset="2"/>
+              </a:rPr>
+              <a:t>use</a:t>
+            </a:r>
+            <a:r>
+              <a:rPr lang="de-DE" baseline="0" dirty="0" smtClean="0">
+                <a:sym typeface="Wingdings" pitchFamily="2" charset="2"/>
+              </a:rPr>
+              <a:t> </a:t>
+            </a:r>
+          </a:p>
+          <a:p>
+            <a:pPr>
+              <a:buFontTx/>
+              <a:buChar char="-"/>
+            </a:pPr>
+            <a:r>
+              <a:rPr lang="de-DE" baseline="0" dirty="0" err="1" smtClean="0">
+                <a:sym typeface="Wingdings" pitchFamily="2" charset="2"/>
+              </a:rPr>
+              <a:t>Otherwise</a:t>
+            </a:r>
+            <a:r>
+              <a:rPr lang="de-DE" baseline="0" dirty="0" smtClean="0">
+                <a:sym typeface="Wingdings" pitchFamily="2" charset="2"/>
+              </a:rPr>
+              <a:t> </a:t>
+            </a:r>
+            <a:r>
+              <a:rPr lang="de-DE" baseline="0" dirty="0" err="1" smtClean="0">
+                <a:sym typeface="Wingdings" pitchFamily="2" charset="2"/>
+              </a:rPr>
+              <a:t>you</a:t>
+            </a:r>
+            <a:r>
+              <a:rPr lang="de-DE" baseline="0" dirty="0" smtClean="0">
+                <a:sym typeface="Wingdings" pitchFamily="2" charset="2"/>
+              </a:rPr>
+              <a:t> </a:t>
+            </a:r>
+            <a:r>
+              <a:rPr lang="de-DE" baseline="0" dirty="0" err="1" smtClean="0">
+                <a:sym typeface="Wingdings" pitchFamily="2" charset="2"/>
+              </a:rPr>
+              <a:t>have</a:t>
+            </a:r>
+            <a:r>
+              <a:rPr lang="de-DE" baseline="0" dirty="0" smtClean="0">
+                <a:sym typeface="Wingdings" pitchFamily="2" charset="2"/>
+              </a:rPr>
+              <a:t> </a:t>
+            </a:r>
+            <a:r>
+              <a:rPr lang="de-DE" baseline="0" dirty="0" err="1" smtClean="0">
+                <a:sym typeface="Wingdings" pitchFamily="2" charset="2"/>
+              </a:rPr>
+              <a:t>to</a:t>
+            </a:r>
+            <a:r>
+              <a:rPr lang="de-DE" baseline="0" dirty="0" smtClean="0">
+                <a:sym typeface="Wingdings" pitchFamily="2" charset="2"/>
+              </a:rPr>
+              <a:t> </a:t>
+            </a:r>
+            <a:r>
+              <a:rPr lang="de-DE" baseline="0" dirty="0" err="1" smtClean="0">
+                <a:sym typeface="Wingdings" pitchFamily="2" charset="2"/>
+              </a:rPr>
+              <a:t>customize</a:t>
+            </a:r>
+            <a:r>
+              <a:rPr lang="de-DE" baseline="0" dirty="0" smtClean="0">
+                <a:sym typeface="Wingdings" pitchFamily="2" charset="2"/>
+              </a:rPr>
+              <a:t> </a:t>
+            </a:r>
+            <a:r>
+              <a:rPr lang="de-DE" baseline="0" dirty="0" err="1" smtClean="0">
+                <a:sym typeface="Wingdings" pitchFamily="2" charset="2"/>
+              </a:rPr>
+              <a:t>more</a:t>
+            </a:r>
+            <a:endParaRPr lang="de-DE" baseline="0" dirty="0" smtClean="0">
+              <a:sym typeface="Wingdings" pitchFamily="2" charset="2"/>
+            </a:endParaRPr>
+          </a:p>
+          <a:p>
+            <a:pPr>
+              <a:buFontTx/>
+              <a:buChar char="-"/>
+            </a:pPr>
+            <a:endParaRPr lang="de-DE" baseline="0" dirty="0" smtClean="0">
+              <a:sym typeface="Wingdings" pitchFamily="2" charset="2"/>
+            </a:endParaRPr>
+          </a:p>
+          <a:p>
+            <a:pPr>
+              <a:buFontTx/>
+              <a:buNone/>
+            </a:pPr>
             <a:endParaRPr lang="de-DE" dirty="0"/>
           </a:p>
         </p:txBody>
@@ -6161,7 +6684,7 @@
             <a:fld id="{EDF6DCC3-6FD5-4055-8D13-C7D91E843C20}" type="slidenum">
               <a:rPr lang="de-DE" smtClean="0"/>
               <a:pPr/>
-              <a:t>10</a:t>
+              <a:t>7</a:t>
             </a:fld>
             <a:endParaRPr lang="de-DE"/>
           </a:p>
@@ -6221,6 +6744,158 @@
           </a:bodyPr>
           <a:lstStyle/>
           <a:p>
+            <a:r>
+              <a:rPr lang="de-DE" dirty="0" smtClean="0"/>
+              <a:t>Different </a:t>
+            </a:r>
+            <a:r>
+              <a:rPr lang="de-DE" dirty="0" err="1" smtClean="0"/>
+              <a:t>variations</a:t>
+            </a:r>
+            <a:r>
+              <a:rPr lang="de-DE" baseline="0" dirty="0" smtClean="0"/>
+              <a:t> </a:t>
+            </a:r>
+          </a:p>
+          <a:p>
+            <a:r>
+              <a:rPr lang="de-DE" baseline="0" dirty="0" err="1" smtClean="0"/>
+              <a:t>Dont</a:t>
+            </a:r>
+            <a:r>
+              <a:rPr lang="de-DE" baseline="0" dirty="0" smtClean="0"/>
+              <a:t> </a:t>
+            </a:r>
+            <a:r>
+              <a:rPr lang="de-DE" baseline="0" dirty="0" err="1" smtClean="0"/>
+              <a:t>want</a:t>
+            </a:r>
+            <a:r>
+              <a:rPr lang="de-DE" baseline="0" dirty="0" smtClean="0"/>
+              <a:t> </a:t>
+            </a:r>
+            <a:r>
+              <a:rPr lang="de-DE" baseline="0" dirty="0" err="1" smtClean="0"/>
+              <a:t>to</a:t>
+            </a:r>
+            <a:r>
+              <a:rPr lang="de-DE" baseline="0" dirty="0" smtClean="0"/>
+              <a:t> </a:t>
+            </a:r>
+            <a:r>
+              <a:rPr lang="de-DE" baseline="0" dirty="0" err="1" smtClean="0"/>
+              <a:t>create</a:t>
+            </a:r>
+            <a:r>
+              <a:rPr lang="de-DE" baseline="0" dirty="0" smtClean="0"/>
+              <a:t> </a:t>
+            </a:r>
+            <a:r>
+              <a:rPr lang="de-DE" baseline="0" dirty="0" err="1" smtClean="0"/>
+              <a:t>soo</a:t>
+            </a:r>
+            <a:r>
+              <a:rPr lang="de-DE" baseline="0" dirty="0" smtClean="0"/>
+              <a:t> </a:t>
+            </a:r>
+            <a:r>
+              <a:rPr lang="de-DE" baseline="0" dirty="0" err="1" smtClean="0"/>
+              <a:t>many</a:t>
+            </a:r>
+            <a:r>
+              <a:rPr lang="de-DE" baseline="0" dirty="0" smtClean="0"/>
+              <a:t> </a:t>
+            </a:r>
+            <a:r>
+              <a:rPr lang="de-DE" baseline="0" dirty="0" err="1" smtClean="0"/>
+              <a:t>subclasses</a:t>
+            </a:r>
+            <a:endParaRPr lang="de-DE" baseline="0" dirty="0" smtClean="0"/>
+          </a:p>
+          <a:p>
+            <a:endParaRPr lang="de-DE" baseline="0" dirty="0" smtClean="0"/>
+          </a:p>
+          <a:p>
+            <a:r>
+              <a:rPr lang="de-DE" baseline="0" dirty="0" err="1" smtClean="0"/>
+              <a:t>Some</a:t>
+            </a:r>
+            <a:r>
+              <a:rPr lang="de-DE" baseline="0" dirty="0" smtClean="0"/>
+              <a:t> </a:t>
+            </a:r>
+            <a:r>
+              <a:rPr lang="de-DE" baseline="0" dirty="0" err="1" smtClean="0"/>
+              <a:t>parameters</a:t>
+            </a:r>
+            <a:r>
+              <a:rPr lang="de-DE" baseline="0" dirty="0" smtClean="0"/>
+              <a:t> </a:t>
+            </a:r>
+            <a:r>
+              <a:rPr lang="de-DE" baseline="0" dirty="0" err="1" smtClean="0"/>
+              <a:t>are</a:t>
+            </a:r>
+            <a:r>
+              <a:rPr lang="de-DE" baseline="0" dirty="0" smtClean="0"/>
+              <a:t> not </a:t>
+            </a:r>
+            <a:r>
+              <a:rPr lang="de-DE" baseline="0" dirty="0" err="1" smtClean="0"/>
+              <a:t>fitting</a:t>
+            </a:r>
+            <a:r>
+              <a:rPr lang="de-DE" baseline="0" dirty="0" smtClean="0"/>
+              <a:t> </a:t>
+            </a:r>
+            <a:r>
+              <a:rPr lang="de-DE" baseline="0" dirty="0" err="1" smtClean="0"/>
+              <a:t>together</a:t>
+            </a:r>
+            <a:r>
+              <a:rPr lang="de-DE" baseline="0" dirty="0" smtClean="0"/>
+              <a:t> – </a:t>
+            </a:r>
+            <a:r>
+              <a:rPr lang="de-DE" baseline="0" dirty="0" err="1" smtClean="0"/>
+              <a:t>figure</a:t>
+            </a:r>
+            <a:r>
+              <a:rPr lang="de-DE" baseline="0" dirty="0" smtClean="0"/>
+              <a:t> out </a:t>
+            </a:r>
+            <a:r>
+              <a:rPr lang="de-DE" baseline="0" dirty="0" err="1" smtClean="0"/>
+              <a:t>if</a:t>
+            </a:r>
+            <a:r>
+              <a:rPr lang="de-DE" baseline="0" dirty="0" smtClean="0"/>
+              <a:t> </a:t>
+            </a:r>
+            <a:r>
+              <a:rPr lang="de-DE" baseline="0" dirty="0" err="1" smtClean="0"/>
+              <a:t>the</a:t>
+            </a:r>
+            <a:r>
+              <a:rPr lang="de-DE" baseline="0" dirty="0" smtClean="0"/>
+              <a:t> </a:t>
+            </a:r>
+            <a:r>
+              <a:rPr lang="de-DE" baseline="0" dirty="0" err="1" smtClean="0"/>
+              <a:t>constellation</a:t>
+            </a:r>
+            <a:r>
+              <a:rPr lang="de-DE" baseline="0" dirty="0" smtClean="0"/>
+              <a:t> </a:t>
+            </a:r>
+            <a:r>
+              <a:rPr lang="de-DE" baseline="0" dirty="0" err="1" smtClean="0"/>
+              <a:t>is</a:t>
+            </a:r>
+            <a:r>
+              <a:rPr lang="de-DE" baseline="0" dirty="0" smtClean="0"/>
+              <a:t> valid</a:t>
+            </a:r>
             <a:endParaRPr lang="de-DE" dirty="0"/>
           </a:p>
         </p:txBody>
@@ -6243,7 +6918,7 @@
             <a:fld id="{EDF6DCC3-6FD5-4055-8D13-C7D91E843C20}" type="slidenum">
               <a:rPr lang="de-DE" smtClean="0"/>
               <a:pPr/>
-              <a:t>11</a:t>
+              <a:t>9</a:t>
             </a:fld>
             <a:endParaRPr lang="de-DE"/>
           </a:p>
@@ -6325,7 +7000,7 @@
             <a:fld id="{EDF6DCC3-6FD5-4055-8D13-C7D91E843C20}" type="slidenum">
               <a:rPr lang="de-DE" smtClean="0"/>
               <a:pPr/>
-              <a:t>13</a:t>
+              <a:t>10</a:t>
             </a:fld>
             <a:endParaRPr lang="de-DE"/>
           </a:p>
@@ -6407,7 +7082,89 @@
             <a:fld id="{EDF6DCC3-6FD5-4055-8D13-C7D91E843C20}" type="slidenum">
               <a:rPr lang="de-DE" smtClean="0"/>
               <a:pPr/>
-              <a:t>14</a:t>
+              <a:t>11</a:t>
+            </a:fld>
+            <a:endParaRPr lang="de-DE"/>
+          </a:p>
+        </p:txBody>
+      </p:sp>
+    </p:spTree>
+  </p:cSld>
+  <p:clrMapOvr>
+    <a:masterClrMapping/>
+  </p:clrMapOvr>
+</p:notes>
+</file>
+
+<file path=ppt/notesSlides/notesSlide9.xml><?xml version="1.0" encoding="utf-8"?>
+<p:notes xmlns:a="http://schemas.openxmlformats.org/drawingml/2006/main" xmlns:r="http://schemas.openxmlformats.org/officeDocument/2006/relationships" xmlns:p="http://schemas.openxmlformats.org/presentationml/2006/main">
+  <p:cSld>
+    <p:spTree>
+      <p:nvGrpSpPr>
+        <p:cNvPr id="1" name=""/>
+        <p:cNvGrpSpPr/>
+        <p:nvPr/>
+      </p:nvGrpSpPr>
+      <p:grpSpPr>
+        <a:xfrm>
+          <a:off x="0" y="0"/>
+          <a:ext cx="0" cy="0"/>
+          <a:chOff x="0" y="0"/>
+          <a:chExt cx="0" cy="0"/>
+        </a:xfrm>
+      </p:grpSpPr>
+      <p:sp>
+        <p:nvSpPr>
+          <p:cNvPr id="2" name="Folienbildplatzhalter 1"/>
+          <p:cNvSpPr>
+            <a:spLocks noGrp="1" noRot="1" noChangeAspect="1"/>
+          </p:cNvSpPr>
+          <p:nvPr>
+            <p:ph type="sldImg"/>
+          </p:nvPr>
+        </p:nvSpPr>
+        <p:spPr/>
+      </p:sp>
+      <p:sp>
+        <p:nvSpPr>
+          <p:cNvPr id="3" name="Notizenplatzhalter 2"/>
+          <p:cNvSpPr>
+            <a:spLocks noGrp="1"/>
+          </p:cNvSpPr>
+          <p:nvPr>
+            <p:ph type="body" idx="1"/>
+          </p:nvPr>
+        </p:nvSpPr>
+        <p:spPr/>
+        <p:txBody>
+          <a:bodyPr>
+            <a:normAutofit/>
+          </a:bodyPr>
+          <a:lstStyle/>
+          <a:p>
+            <a:endParaRPr lang="de-DE" dirty="0"/>
+          </a:p>
+        </p:txBody>
+      </p:sp>
+      <p:sp>
+        <p:nvSpPr>
+          <p:cNvPr id="4" name="Foliennummernplatzhalter 3"/>
+          <p:cNvSpPr>
+            <a:spLocks noGrp="1"/>
+          </p:cNvSpPr>
+          <p:nvPr>
+            <p:ph type="sldNum" sz="quarter" idx="10"/>
+          </p:nvPr>
+        </p:nvSpPr>
+        <p:spPr/>
+        <p:txBody>
+          <a:bodyPr/>
+          <a:lstStyle/>
+          <a:p>
+            <a:fld id="{EDF6DCC3-6FD5-4055-8D13-C7D91E843C20}" type="slidenum">
+              <a:rPr lang="de-DE" smtClean="0"/>
+              <a:pPr/>
+              <a:t>13</a:t>
             </a:fld>
             <a:endParaRPr lang="de-DE"/>
           </a:p>
@@ -12132,7 +12889,7 @@
     </p:spTree>
     <p:extLst>
       <p:ext uri="{BB962C8B-B14F-4D97-AF65-F5344CB8AC3E}">
-        <p14:creationId xmlns="" xmlns:p14="http://schemas.microsoft.com/office/powerpoint/2010/main" val="872311482"/>
+        <p14:creationId xmlns:p14="http://schemas.microsoft.com/office/powerpoint/2010/main" xmlns="" val="872311482"/>
       </p:ext>
     </p:extLst>
   </p:cSld>
@@ -13418,7 +14175,7 @@
             <a:pPr algn="ctr"/>
             <a:r>
               <a:rPr lang="de-DE" dirty="0" err="1" smtClean="0"/>
-              <a:t>Behavior</a:t>
+              <a:t>Behavioral</a:t>
             </a:r>
             <a:r>
               <a:rPr lang="de-DE" dirty="0" smtClean="0"/>
@@ -13522,7 +14279,7 @@
             <a:pPr algn="ctr"/>
             <a:r>
               <a:rPr lang="de-DE" dirty="0" err="1" smtClean="0"/>
-              <a:t>Behavior</a:t>
+              <a:t>Behavioral</a:t>
             </a:r>
             <a:r>
               <a:rPr lang="de-DE" dirty="0" smtClean="0"/>
@@ -13553,13 +14310,77 @@
         </p:blipFill>
         <p:spPr bwMode="auto">
           <a:xfrm>
-            <a:off x="727074" y="1357312"/>
+            <a:off x="136524" y="1423987"/>
             <a:ext cx="7178675" cy="5294274"/>
           </a:xfrm>
           <a:prstGeom prst="rect">
             <a:avLst/>
           </a:prstGeom>
           <a:noFill/>
+        </p:spPr>
+      </p:pic>
+      <p:pic>
+        <p:nvPicPr>
+          <p:cNvPr id="1026" name="Picture 2"/>
+          <p:cNvPicPr>
+            <a:picLocks noChangeAspect="1" noChangeArrowheads="1"/>
+          </p:cNvPicPr>
+          <p:nvPr/>
+        </p:nvPicPr>
+        <p:blipFill>
+          <a:blip r:embed="rId3"/>
+          <a:srcRect/>
+          <a:stretch>
+            <a:fillRect/>
+          </a:stretch>
+        </p:blipFill>
+        <p:spPr bwMode="auto">
+          <a:xfrm>
+            <a:off x="7462363" y="2019300"/>
+            <a:ext cx="4586762" cy="1509713"/>
+          </a:xfrm>
+          <a:prstGeom prst="rect">
+            <a:avLst/>
+          </a:prstGeom>
+          <a:noFill/>
+          <a:ln w="9525">
+            <a:noFill/>
+            <a:miter lim="800000"/>
+            <a:headEnd/>
+            <a:tailEnd/>
+          </a:ln>
+        </p:spPr>
+      </p:pic>
+      <p:pic>
+        <p:nvPicPr>
+          <p:cNvPr id="1027" name="Picture 3"/>
+          <p:cNvPicPr>
+            <a:picLocks noChangeAspect="1" noChangeArrowheads="1"/>
+          </p:cNvPicPr>
+          <p:nvPr/>
+        </p:nvPicPr>
+        <p:blipFill>
+          <a:blip r:embed="rId4"/>
+          <a:srcRect/>
+          <a:stretch>
+            <a:fillRect/>
+          </a:stretch>
+        </p:blipFill>
+        <p:spPr bwMode="auto">
+          <a:xfrm>
+            <a:off x="7467600" y="3848100"/>
+            <a:ext cx="4645078" cy="2643188"/>
+          </a:xfrm>
+          <a:prstGeom prst="rect">
+            <a:avLst/>
+          </a:prstGeom>
+          <a:noFill/>
+          <a:ln w="9525">
+            <a:noFill/>
+            <a:miter lim="800000"/>
+            <a:headEnd/>
+            <a:tailEnd/>
+          </a:ln>
         </p:spPr>
       </p:pic>
     </p:spTree>
@@ -13652,7 +14473,7 @@
             <a:pPr algn="ctr"/>
             <a:r>
               <a:rPr lang="de-DE" dirty="0" err="1" smtClean="0"/>
-              <a:t>Behavior</a:t>
+              <a:t>Behavioral</a:t>
             </a:r>
             <a:r>
               <a:rPr lang="de-DE" dirty="0" smtClean="0"/>
@@ -13747,7 +14568,7 @@
         </p:blipFill>
         <p:spPr bwMode="auto">
           <a:xfrm>
-            <a:off x="6543675" y="5591175"/>
+            <a:off x="6524625" y="5619750"/>
             <a:ext cx="4057650" cy="857250"/>
           </a:xfrm>
           <a:prstGeom prst="rect">
@@ -14215,7 +15036,11 @@
             </a:r>
             <a:r>
               <a:rPr lang="de-DE" u="sng" dirty="0" smtClean="0"/>
-              <a:t> Class „Car“ </a:t>
+              <a:t> Class </a:t>
+            </a:r>
+            <a:r>
+              <a:rPr lang="de-DE" u="sng" dirty="0" smtClean="0"/>
+              <a:t>„Car“ </a:t>
             </a:r>
             <a:r>
               <a:rPr lang="de-DE" u="sng" dirty="0" err="1" smtClean="0"/>
@@ -14960,11 +15785,7 @@
             </a:r>
             <a:r>
               <a:rPr lang="de-DE" smtClean="0"/>
-              <a:t> </a:t>
-            </a:r>
-            <a:r>
-              <a:rPr lang="de-DE" smtClean="0"/>
-              <a:t>turn</a:t>
+              <a:t> turn</a:t>
             </a:r>
             <a:endParaRPr lang="de-DE" dirty="0"/>
           </a:p>
@@ -15069,7 +15890,7 @@
     </p:spTree>
     <p:extLst>
       <p:ext uri="{BB962C8B-B14F-4D97-AF65-F5344CB8AC3E}">
-        <p14:creationId xmlns="" xmlns:p14="http://schemas.microsoft.com/office/powerpoint/2010/main" val="4274505081"/>
+        <p14:creationId xmlns:p14="http://schemas.microsoft.com/office/powerpoint/2010/main" xmlns="" val="4274505081"/>
       </p:ext>
     </p:extLst>
   </p:cSld>
@@ -15171,7 +15992,7 @@
           <a:blip r:embed="rId2">
             <a:extLst>
               <a:ext uri="{28A0092B-C50C-407E-A947-70E740481C1C}">
-                <a14:useLocalDpi xmlns="" xmlns:a14="http://schemas.microsoft.com/office/drawing/2010/main" val="0"/>
+                <a14:useLocalDpi xmlns:a14="http://schemas.microsoft.com/office/drawing/2010/main" xmlns="" val="0"/>
               </a:ext>
             </a:extLst>
           </a:blip>
@@ -15194,7 +16015,7 @@
           </a:effectLst>
           <a:extLst>
             <a:ext uri="{909E8E84-426E-40DD-AFC4-6F175D3DCCD1}">
-              <a14:hiddenFill xmlns="" xmlns:a14="http://schemas.microsoft.com/office/drawing/2010/main">
+              <a14:hiddenFill xmlns:a14="http://schemas.microsoft.com/office/drawing/2010/main" xmlns="">
                 <a:solidFill>
                   <a:srgbClr val="FFFFFF"/>
                 </a:solidFill>
@@ -15206,7 +16027,7 @@
     </p:spTree>
     <p:extLst>
       <p:ext uri="{BB962C8B-B14F-4D97-AF65-F5344CB8AC3E}">
-        <p14:creationId xmlns="" xmlns:p14="http://schemas.microsoft.com/office/powerpoint/2010/main" val="3615134299"/>
+        <p14:creationId xmlns:p14="http://schemas.microsoft.com/office/powerpoint/2010/main" xmlns="" val="3615134299"/>
       </p:ext>
     </p:extLst>
   </p:cSld>
@@ -15397,7 +16218,7 @@
           <a:blip r:embed="rId3">
             <a:extLst>
               <a:ext uri="{28A0092B-C50C-407E-A947-70E740481C1C}">
-                <a14:useLocalDpi xmlns="" xmlns:a14="http://schemas.microsoft.com/office/drawing/2010/main" val="0"/>
+                <a14:useLocalDpi xmlns:a14="http://schemas.microsoft.com/office/drawing/2010/main" xmlns="" val="0"/>
               </a:ext>
             </a:extLst>
           </a:blip>
@@ -15418,7 +16239,7 @@
           </a:effectLst>
           <a:extLst>
             <a:ext uri="{909E8E84-426E-40DD-AFC4-6F175D3DCCD1}">
-              <a14:hiddenFill xmlns="" xmlns:a14="http://schemas.microsoft.com/office/drawing/2010/main">
+              <a14:hiddenFill xmlns:a14="http://schemas.microsoft.com/office/drawing/2010/main" xmlns="">
                 <a:solidFill>
                   <a:srgbClr val="FFFFFF"/>
                 </a:solidFill>
@@ -15430,7 +16251,7 @@
     </p:spTree>
     <p:extLst>
       <p:ext uri="{BB962C8B-B14F-4D97-AF65-F5344CB8AC3E}">
-        <p14:creationId xmlns="" xmlns:p14="http://schemas.microsoft.com/office/powerpoint/2010/main" val="1610606451"/>
+        <p14:creationId xmlns:p14="http://schemas.microsoft.com/office/powerpoint/2010/main" xmlns="" val="1610606451"/>
       </p:ext>
     </p:extLst>
   </p:cSld>
@@ -15504,7 +16325,7 @@
         </p:xfrm>
         <a:graphic>
           <a:graphicData uri="http://schemas.openxmlformats.org/drawingml/2006/diagram">
-            <dgm:relIds xmlns:dgm="http://schemas.openxmlformats.org/drawingml/2006/diagram" xmlns:r="http://schemas.openxmlformats.org/officeDocument/2006/relationships" r:dm="rId2" r:lo="rId3" r:qs="rId4" r:cs="rId5"/>
+            <dgm:relIds xmlns:dgm="http://schemas.openxmlformats.org/drawingml/2006/diagram" xmlns:r="http://schemas.openxmlformats.org/officeDocument/2006/relationships" r:dm="rId3" r:lo="rId4" r:qs="rId5" r:cs="rId6"/>
           </a:graphicData>
         </a:graphic>
       </p:graphicFrame>
@@ -15702,6 +16523,87 @@
           </a:p>
         </p:txBody>
       </p:sp>
+      <p:sp>
+        <p:nvSpPr>
+          <p:cNvPr id="9" name="Textfeld 8"/>
+          <p:cNvSpPr txBox="1"/>
+          <p:nvPr/>
+        </p:nvSpPr>
+        <p:spPr>
+          <a:xfrm>
+            <a:off x="666750" y="5981700"/>
+            <a:ext cx="8126584" cy="646331"/>
+          </a:xfrm>
+          <a:prstGeom prst="rect">
+            <a:avLst/>
+          </a:prstGeom>
+          <a:noFill/>
+        </p:spPr>
+        <p:txBody>
+          <a:bodyPr wrap="none" rtlCol="0">
+            <a:spAutoFit/>
+          </a:bodyPr>
+          <a:lstStyle/>
+          <a:p>
+            <a:r>
+              <a:rPr lang="de-DE" dirty="0" smtClean="0"/>
+              <a:t>„Design Patterns - Elements </a:t>
+            </a:r>
+            <a:r>
+              <a:rPr lang="de-DE" dirty="0" err="1" smtClean="0"/>
+              <a:t>of</a:t>
+            </a:r>
+            <a:r>
+              <a:rPr lang="de-DE" dirty="0" smtClean="0"/>
+              <a:t> </a:t>
+            </a:r>
+            <a:r>
+              <a:rPr lang="de-DE" dirty="0" err="1" smtClean="0"/>
+              <a:t>Reusable</a:t>
+            </a:r>
+            <a:r>
+              <a:rPr lang="de-DE" dirty="0" smtClean="0"/>
+              <a:t> </a:t>
+            </a:r>
+            <a:r>
+              <a:rPr lang="de-DE" dirty="0" err="1" smtClean="0"/>
+              <a:t>Object-Oriented</a:t>
+            </a:r>
+            <a:r>
+              <a:rPr lang="de-DE" dirty="0" smtClean="0"/>
+              <a:t> Software </a:t>
+            </a:r>
+            <a:r>
+              <a:rPr lang="de-DE" dirty="0" err="1" smtClean="0"/>
+              <a:t>Catalog</a:t>
+            </a:r>
+            <a:r>
+              <a:rPr lang="de-DE" dirty="0" smtClean="0"/>
+              <a:t>“ </a:t>
+            </a:r>
+            <a:br>
+              <a:rPr lang="de-DE" dirty="0" smtClean="0"/>
+            </a:br>
+            <a:r>
+              <a:rPr lang="de-DE" dirty="0" err="1" smtClean="0"/>
+              <a:t>includes</a:t>
+            </a:r>
+            <a:r>
+              <a:rPr lang="de-DE" dirty="0" smtClean="0"/>
+              <a:t> 23 design </a:t>
+            </a:r>
+            <a:r>
+              <a:rPr lang="de-DE" dirty="0" err="1" smtClean="0"/>
+              <a:t>patterns</a:t>
+            </a:r>
+            <a:r>
+              <a:rPr lang="de-DE" dirty="0" smtClean="0"/>
+              <a:t>. </a:t>
+            </a:r>
+            <a:endParaRPr lang="de-DE" dirty="0"/>
+          </a:p>
+        </p:txBody>
+      </p:sp>
     </p:spTree>
   </p:cSld>
   <p:clrMapOvr>
@@ -16837,7 +17739,7 @@
     </p:spTree>
     <p:extLst>
       <p:ext uri="{BB962C8B-B14F-4D97-AF65-F5344CB8AC3E}">
-        <p14:creationId xmlns="" xmlns:p14="http://schemas.microsoft.com/office/powerpoint/2010/main" val="1617191409"/>
+        <p14:creationId xmlns:p14="http://schemas.microsoft.com/office/powerpoint/2010/main" xmlns="" val="1617191409"/>
       </p:ext>
     </p:extLst>
   </p:cSld>
@@ -17298,7 +18200,7 @@
   <a:extraClrSchemeLst/>
   <a:extLst>
     <a:ext uri="{05A4C25C-085E-4340-85A3-A5531E510DB2}">
-      <thm15:themeFamily xmlns="" xmlns:thm15="http://schemas.microsoft.com/office/thememl/2012/main" name="Facet" id="{C0C680CD-088A-49FC-A102-D699147F32B2}" vid="{8C59B386-999D-4CB6-B907-9F3997C027CC}"/>
+      <thm15:themeFamily xmlns:thm15="http://schemas.microsoft.com/office/thememl/2012/main" xmlns="" name="Facet" id="{C0C680CD-088A-49FC-A102-D699147F32B2}" vid="{8C59B386-999D-4CB6-B907-9F3997C027CC}"/>
     </a:ext>
   </a:extLst>
 </a:theme>
